--- a/fordcs-docs/EDUp FORDCS-V1.0 Project-v2022.04/3.0-Architecture Design/EDUp-FORDCS-V1.0-Architecture Design-v2022.03-1.pptx
+++ b/fordcs-docs/EDUp FORDCS-V1.0 Project-v2022.04/3.0-Architecture Design/EDUp-FORDCS-V1.0-Architecture Design-v2022.03-1.pptx
@@ -8,9 +8,11 @@
     <p:sldId id="256" r:id="rId2"/>
     <p:sldId id="366" r:id="rId3"/>
     <p:sldId id="348" r:id="rId4"/>
-    <p:sldId id="260" r:id="rId5"/>
-    <p:sldId id="367" r:id="rId6"/>
-    <p:sldId id="368" r:id="rId7"/>
+    <p:sldId id="369" r:id="rId5"/>
+    <p:sldId id="370" r:id="rId6"/>
+    <p:sldId id="260" r:id="rId7"/>
+    <p:sldId id="367" r:id="rId8"/>
+    <p:sldId id="368" r:id="rId9"/>
   </p:sldIdLst>
   <p:sldSz cx="12192000" cy="6858000"/>
   <p:notesSz cx="6858000" cy="9144000"/>
@@ -520,7 +522,7 @@
           <a:p>
             <a:fld id="{F5BA542F-B73B-47E7-BABB-8194D77513EA}" type="datetimeFigureOut">
               <a:rPr lang="en-GB" smtClean="0"/>
-              <a:t>10/04/2022</a:t>
+              <a:t>18/05/2022</a:t>
             </a:fld>
             <a:endParaRPr lang="en-GB" dirty="0"/>
           </a:p>
@@ -699,7 +701,7 @@
           <a:p>
             <a:fld id="{F5BA542F-B73B-47E7-BABB-8194D77513EA}" type="datetimeFigureOut">
               <a:rPr lang="en-GB" smtClean="0"/>
-              <a:t>10/04/2022</a:t>
+              <a:t>18/05/2022</a:t>
             </a:fld>
             <a:endParaRPr lang="en-GB" dirty="0"/>
           </a:p>
@@ -879,7 +881,7 @@
           <a:p>
             <a:fld id="{F5BA542F-B73B-47E7-BABB-8194D77513EA}" type="datetimeFigureOut">
               <a:rPr lang="en-GB" smtClean="0"/>
-              <a:t>10/04/2022</a:t>
+              <a:t>18/05/2022</a:t>
             </a:fld>
             <a:endParaRPr lang="en-GB" dirty="0"/>
           </a:p>
@@ -1049,7 +1051,7 @@
           <a:p>
             <a:fld id="{F5BA542F-B73B-47E7-BABB-8194D77513EA}" type="datetimeFigureOut">
               <a:rPr lang="en-GB" smtClean="0"/>
-              <a:t>10/04/2022</a:t>
+              <a:t>18/05/2022</a:t>
             </a:fld>
             <a:endParaRPr lang="en-GB" dirty="0"/>
           </a:p>
@@ -1362,7 +1364,7 @@
           <a:p>
             <a:fld id="{F5BA542F-B73B-47E7-BABB-8194D77513EA}" type="datetimeFigureOut">
               <a:rPr lang="en-GB" smtClean="0"/>
-              <a:t>10/04/2022</a:t>
+              <a:t>18/05/2022</a:t>
             </a:fld>
             <a:endParaRPr lang="en-GB" dirty="0"/>
           </a:p>
@@ -1748,7 +1750,7 @@
           <a:p>
             <a:fld id="{F5BA542F-B73B-47E7-BABB-8194D77513EA}" type="datetimeFigureOut">
               <a:rPr lang="en-GB" smtClean="0"/>
-              <a:t>10/04/2022</a:t>
+              <a:t>18/05/2022</a:t>
             </a:fld>
             <a:endParaRPr lang="en-GB" dirty="0"/>
           </a:p>
@@ -2182,7 +2184,7 @@
           <a:p>
             <a:fld id="{F5BA542F-B73B-47E7-BABB-8194D77513EA}" type="datetimeFigureOut">
               <a:rPr lang="en-GB" smtClean="0"/>
-              <a:t>10/04/2022</a:t>
+              <a:t>18/05/2022</a:t>
             </a:fld>
             <a:endParaRPr lang="en-GB" dirty="0"/>
           </a:p>
@@ -2300,7 +2302,7 @@
           <a:p>
             <a:fld id="{F5BA542F-B73B-47E7-BABB-8194D77513EA}" type="datetimeFigureOut">
               <a:rPr lang="en-GB" smtClean="0"/>
-              <a:t>10/04/2022</a:t>
+              <a:t>18/05/2022</a:t>
             </a:fld>
             <a:endParaRPr lang="en-GB" dirty="0"/>
           </a:p>
@@ -2395,7 +2397,7 @@
           <a:p>
             <a:fld id="{F5BA542F-B73B-47E7-BABB-8194D77513EA}" type="datetimeFigureOut">
               <a:rPr lang="en-GB" smtClean="0"/>
-              <a:t>10/04/2022</a:t>
+              <a:t>18/05/2022</a:t>
             </a:fld>
             <a:endParaRPr lang="en-GB" dirty="0"/>
           </a:p>
@@ -2745,7 +2747,7 @@
           <a:p>
             <a:fld id="{F5BA542F-B73B-47E7-BABB-8194D77513EA}" type="datetimeFigureOut">
               <a:rPr lang="en-GB" smtClean="0"/>
-              <a:t>10/04/2022</a:t>
+              <a:t>18/05/2022</a:t>
             </a:fld>
             <a:endParaRPr lang="en-GB" dirty="0"/>
           </a:p>
@@ -3170,7 +3172,7 @@
           <a:p>
             <a:fld id="{F5BA542F-B73B-47E7-BABB-8194D77513EA}" type="datetimeFigureOut">
               <a:rPr lang="en-GB" smtClean="0"/>
-              <a:t>10/04/2022</a:t>
+              <a:t>18/05/2022</a:t>
             </a:fld>
             <a:endParaRPr lang="en-GB" dirty="0"/>
           </a:p>
@@ -3451,7 +3453,7 @@
           <a:p>
             <a:fld id="{F5BA542F-B73B-47E7-BABB-8194D77513EA}" type="datetimeFigureOut">
               <a:rPr lang="en-GB" smtClean="0"/>
-              <a:t>10/04/2022</a:t>
+              <a:t>18/05/2022</a:t>
             </a:fld>
             <a:endParaRPr lang="en-GB" dirty="0"/>
           </a:p>
@@ -5527,6 +5529,13 @@
             <a:r>
               <a:rPr lang="en-US"/>
               <a:t>FORD CHARGing Station ApplIcatIon</a:t>
+            </a:r>
+            <a:br>
+              <a:rPr lang="en-US"/>
+            </a:br>
+            <a:r>
+              <a:rPr lang="en-US"/>
+              <a:t>Architecture Pattern</a:t>
             </a:r>
           </a:p>
         </p:txBody>
@@ -7750,7 +7759,7 @@
         <p:spPr>
           <a:xfrm>
             <a:off x="2017265" y="3593148"/>
-            <a:ext cx="1605751" cy="738664"/>
+            <a:ext cx="1711988" cy="523220"/>
           </a:xfrm>
           <a:prstGeom prst="rect">
             <a:avLst/>
@@ -9329,6 +9338,2666 @@
 <file path=ppt/slides/slide4.xml><?xml version="1.0" encoding="utf-8"?>
 <p:sld xmlns:a="http://schemas.openxmlformats.org/drawingml/2006/main" xmlns:r="http://schemas.openxmlformats.org/officeDocument/2006/relationships" xmlns:p="http://schemas.openxmlformats.org/presentationml/2006/main">
   <p:cSld>
+    <p:spTree>
+      <p:nvGrpSpPr>
+        <p:cNvPr id="1" name=""/>
+        <p:cNvGrpSpPr/>
+        <p:nvPr/>
+      </p:nvGrpSpPr>
+      <p:grpSpPr>
+        <a:xfrm>
+          <a:off x="0" y="0"/>
+          <a:ext cx="0" cy="0"/>
+          <a:chOff x="0" y="0"/>
+          <a:chExt cx="0" cy="0"/>
+        </a:xfrm>
+      </p:grpSpPr>
+      <p:sp>
+        <p:nvSpPr>
+          <p:cNvPr id="4" name="Title 3">
+            <a:extLst>
+              <a:ext uri="{FF2B5EF4-FFF2-40B4-BE49-F238E27FC236}">
+                <a16:creationId xmlns:a16="http://schemas.microsoft.com/office/drawing/2014/main" id="{4A395CC0-394F-4193-9A80-C2578D7AED97}"/>
+              </a:ext>
+            </a:extLst>
+          </p:cNvPr>
+          <p:cNvSpPr>
+            <a:spLocks noGrp="1"/>
+          </p:cNvSpPr>
+          <p:nvPr>
+            <p:ph type="title"/>
+          </p:nvPr>
+        </p:nvSpPr>
+        <p:spPr/>
+        <p:txBody>
+          <a:bodyPr/>
+          <a:lstStyle/>
+          <a:p>
+            <a:r>
+              <a:rPr lang="en-US" dirty="0"/>
+              <a:t>USE CASE</a:t>
+            </a:r>
+            <a:br>
+              <a:rPr lang="en-US" dirty="0"/>
+            </a:br>
+            <a:r>
+              <a:rPr lang="en-US" dirty="0"/>
+              <a:t>Report Factory Setting V1.0</a:t>
+            </a:r>
+          </a:p>
+        </p:txBody>
+      </p:sp>
+      <p:sp>
+        <p:nvSpPr>
+          <p:cNvPr id="6" name="Text Placeholder 5">
+            <a:extLst>
+              <a:ext uri="{FF2B5EF4-FFF2-40B4-BE49-F238E27FC236}">
+                <a16:creationId xmlns:a16="http://schemas.microsoft.com/office/drawing/2014/main" id="{18BDC7ED-AF8A-47EE-9BA8-5C8D6E198220}"/>
+              </a:ext>
+            </a:extLst>
+          </p:cNvPr>
+          <p:cNvSpPr>
+            <a:spLocks noGrp="1"/>
+          </p:cNvSpPr>
+          <p:nvPr>
+            <p:ph type="body" sz="half" idx="2"/>
+          </p:nvPr>
+        </p:nvSpPr>
+        <p:spPr/>
+        <p:txBody>
+          <a:bodyPr/>
+          <a:lstStyle/>
+          <a:p>
+            <a:pPr marL="285750" indent="-285750">
+              <a:buFont typeface="Arial" panose="020B0604020202020204" pitchFamily="34" charset="0"/>
+              <a:buChar char="•"/>
+            </a:pPr>
+            <a:r>
+              <a:rPr lang="en-US" dirty="0"/>
+              <a:t>Controller/Service/Repository component design</a:t>
+            </a:r>
+          </a:p>
+          <a:p>
+            <a:pPr marL="285750" indent="-285750">
+              <a:buFont typeface="Arial" panose="020B0604020202020204" pitchFamily="34" charset="0"/>
+              <a:buChar char="•"/>
+            </a:pPr>
+            <a:r>
+              <a:rPr lang="en-US" dirty="0"/>
+              <a:t>Service Endpoint</a:t>
+            </a:r>
+          </a:p>
+          <a:p>
+            <a:pPr marL="285750" indent="-285750">
+              <a:buFont typeface="Arial" panose="020B0604020202020204" pitchFamily="34" charset="0"/>
+              <a:buChar char="•"/>
+            </a:pPr>
+            <a:r>
+              <a:rPr lang="en-US" dirty="0"/>
+              <a:t>System Test tools</a:t>
+            </a:r>
+          </a:p>
+          <a:p>
+            <a:pPr marL="285750" indent="-285750">
+              <a:buFont typeface="Arial" panose="020B0604020202020204" pitchFamily="34" charset="0"/>
+              <a:buChar char="•"/>
+            </a:pPr>
+            <a:endParaRPr lang="en-US" dirty="0"/>
+          </a:p>
+        </p:txBody>
+      </p:sp>
+      <p:pic>
+        <p:nvPicPr>
+          <p:cNvPr id="90" name="Picture 89">
+            <a:extLst>
+              <a:ext uri="{FF2B5EF4-FFF2-40B4-BE49-F238E27FC236}">
+                <a16:creationId xmlns:a16="http://schemas.microsoft.com/office/drawing/2014/main" id="{C8BE63D3-6A76-4E76-B001-0674AE617431}"/>
+              </a:ext>
+            </a:extLst>
+          </p:cNvPr>
+          <p:cNvPicPr>
+            <a:picLocks noChangeAspect="1"/>
+          </p:cNvPicPr>
+          <p:nvPr/>
+        </p:nvPicPr>
+        <p:blipFill>
+          <a:blip r:embed="rId2"/>
+          <a:stretch>
+            <a:fillRect/>
+          </a:stretch>
+        </p:blipFill>
+        <p:spPr>
+          <a:xfrm>
+            <a:off x="6850722" y="4523417"/>
+            <a:ext cx="971645" cy="325856"/>
+          </a:xfrm>
+          <a:prstGeom prst="rect">
+            <a:avLst/>
+          </a:prstGeom>
+        </p:spPr>
+      </p:pic>
+      <p:pic>
+        <p:nvPicPr>
+          <p:cNvPr id="91" name="Picture 90">
+            <a:extLst>
+              <a:ext uri="{FF2B5EF4-FFF2-40B4-BE49-F238E27FC236}">
+                <a16:creationId xmlns:a16="http://schemas.microsoft.com/office/drawing/2014/main" id="{A3DEA117-59B9-4169-83A5-D86A7BD46AED}"/>
+              </a:ext>
+            </a:extLst>
+          </p:cNvPr>
+          <p:cNvPicPr>
+            <a:picLocks noChangeAspect="1"/>
+          </p:cNvPicPr>
+          <p:nvPr/>
+        </p:nvPicPr>
+        <p:blipFill>
+          <a:blip r:embed="rId3"/>
+          <a:stretch>
+            <a:fillRect/>
+          </a:stretch>
+        </p:blipFill>
+        <p:spPr>
+          <a:xfrm>
+            <a:off x="1516831" y="578398"/>
+            <a:ext cx="975259" cy="279322"/>
+          </a:xfrm>
+          <a:prstGeom prst="rect">
+            <a:avLst/>
+          </a:prstGeom>
+          <a:ln w="28575">
+            <a:solidFill>
+              <a:schemeClr val="accent5">
+                <a:lumMod val="60000"/>
+                <a:lumOff val="40000"/>
+              </a:schemeClr>
+            </a:solidFill>
+          </a:ln>
+        </p:spPr>
+      </p:pic>
+      <p:grpSp>
+        <p:nvGrpSpPr>
+          <p:cNvPr id="165" name="Group 164">
+            <a:extLst>
+              <a:ext uri="{FF2B5EF4-FFF2-40B4-BE49-F238E27FC236}">
+                <a16:creationId xmlns:a16="http://schemas.microsoft.com/office/drawing/2014/main" id="{732D6CE8-071B-4453-A589-6F4DD6B86060}"/>
+              </a:ext>
+            </a:extLst>
+          </p:cNvPr>
+          <p:cNvGrpSpPr/>
+          <p:nvPr/>
+        </p:nvGrpSpPr>
+        <p:grpSpPr>
+          <a:xfrm>
+            <a:off x="1153827" y="1154028"/>
+            <a:ext cx="2563149" cy="983530"/>
+            <a:chOff x="583812" y="1082776"/>
+            <a:chExt cx="2563149" cy="983530"/>
+          </a:xfrm>
+        </p:grpSpPr>
+        <p:grpSp>
+          <p:nvGrpSpPr>
+            <p:cNvPr id="119" name="Group 118">
+              <a:extLst>
+                <a:ext uri="{FF2B5EF4-FFF2-40B4-BE49-F238E27FC236}">
+                  <a16:creationId xmlns:a16="http://schemas.microsoft.com/office/drawing/2014/main" id="{EBEF6634-E142-40B5-887F-95A883539502}"/>
+                </a:ext>
+              </a:extLst>
+            </p:cNvPr>
+            <p:cNvGrpSpPr/>
+            <p:nvPr/>
+          </p:nvGrpSpPr>
+          <p:grpSpPr>
+            <a:xfrm>
+              <a:off x="583812" y="1082776"/>
+              <a:ext cx="2563149" cy="983530"/>
+              <a:chOff x="1561764" y="2295525"/>
+              <a:chExt cx="1305261" cy="495300"/>
+            </a:xfrm>
+          </p:grpSpPr>
+          <p:sp>
+            <p:nvSpPr>
+              <p:cNvPr id="120" name="Rectangle 119">
+                <a:extLst>
+                  <a:ext uri="{FF2B5EF4-FFF2-40B4-BE49-F238E27FC236}">
+                    <a16:creationId xmlns:a16="http://schemas.microsoft.com/office/drawing/2014/main" id="{86352698-78D3-47DB-8AF0-0F60E23BEF35}"/>
+                  </a:ext>
+                </a:extLst>
+              </p:cNvPr>
+              <p:cNvSpPr/>
+              <p:nvPr/>
+            </p:nvSpPr>
+            <p:spPr>
+              <a:xfrm>
+                <a:off x="1733550" y="2295525"/>
+                <a:ext cx="971550" cy="495300"/>
+              </a:xfrm>
+              <a:prstGeom prst="rect">
+                <a:avLst/>
+              </a:prstGeom>
+              <a:noFill/>
+              <a:ln w="19050">
+                <a:solidFill>
+                  <a:schemeClr val="accent1">
+                    <a:lumMod val="75000"/>
+                  </a:schemeClr>
+                </a:solidFill>
+              </a:ln>
+            </p:spPr>
+            <p:style>
+              <a:lnRef idx="2">
+                <a:schemeClr val="accent1">
+                  <a:shade val="50000"/>
+                </a:schemeClr>
+              </a:lnRef>
+              <a:fillRef idx="1">
+                <a:schemeClr val="accent1"/>
+              </a:fillRef>
+              <a:effectRef idx="0">
+                <a:schemeClr val="accent1"/>
+              </a:effectRef>
+              <a:fontRef idx="minor">
+                <a:schemeClr val="lt1"/>
+              </a:fontRef>
+            </p:style>
+            <p:txBody>
+              <a:bodyPr rtlCol="0" anchor="ctr"/>
+              <a:lstStyle/>
+              <a:p>
+                <a:pPr algn="ctr"/>
+                <a:endParaRPr lang="en-GB" sz="1200" dirty="0">
+                  <a:solidFill>
+                    <a:schemeClr val="tx1"/>
+                  </a:solidFill>
+                </a:endParaRPr>
+              </a:p>
+            </p:txBody>
+          </p:sp>
+          <p:grpSp>
+            <p:nvGrpSpPr>
+              <p:cNvPr id="121" name="Group 120">
+                <a:extLst>
+                  <a:ext uri="{FF2B5EF4-FFF2-40B4-BE49-F238E27FC236}">
+                    <a16:creationId xmlns:a16="http://schemas.microsoft.com/office/drawing/2014/main" id="{C3B967E9-96FB-43E9-82BE-DBB35465DF08}"/>
+                  </a:ext>
+                </a:extLst>
+              </p:cNvPr>
+              <p:cNvGrpSpPr/>
+              <p:nvPr/>
+            </p:nvGrpSpPr>
+            <p:grpSpPr>
+              <a:xfrm>
+                <a:off x="2705100" y="2333625"/>
+                <a:ext cx="161925" cy="419100"/>
+                <a:chOff x="2714625" y="2371725"/>
+                <a:chExt cx="161925" cy="419100"/>
+              </a:xfrm>
+            </p:grpSpPr>
+            <p:sp>
+              <p:nvSpPr>
+                <p:cNvPr id="127" name="Oval 126">
+                  <a:extLst>
+                    <a:ext uri="{FF2B5EF4-FFF2-40B4-BE49-F238E27FC236}">
+                      <a16:creationId xmlns:a16="http://schemas.microsoft.com/office/drawing/2014/main" id="{BE46A88D-BD51-4B93-9B0F-1053E1D2AAF1}"/>
+                    </a:ext>
+                  </a:extLst>
+                </p:cNvPr>
+                <p:cNvSpPr/>
+                <p:nvPr/>
+              </p:nvSpPr>
+              <p:spPr>
+                <a:xfrm>
+                  <a:off x="2714625" y="2371725"/>
+                  <a:ext cx="161925" cy="171450"/>
+                </a:xfrm>
+                <a:prstGeom prst="ellipse">
+                  <a:avLst/>
+                </a:prstGeom>
+                <a:noFill/>
+                <a:ln w="19050">
+                  <a:solidFill>
+                    <a:schemeClr val="accent1">
+                      <a:lumMod val="75000"/>
+                    </a:schemeClr>
+                  </a:solidFill>
+                </a:ln>
+              </p:spPr>
+              <p:style>
+                <a:lnRef idx="2">
+                  <a:schemeClr val="accent1">
+                    <a:shade val="50000"/>
+                  </a:schemeClr>
+                </a:lnRef>
+                <a:fillRef idx="1">
+                  <a:schemeClr val="accent1"/>
+                </a:fillRef>
+                <a:effectRef idx="0">
+                  <a:schemeClr val="accent1"/>
+                </a:effectRef>
+                <a:fontRef idx="minor">
+                  <a:schemeClr val="lt1"/>
+                </a:fontRef>
+              </p:style>
+              <p:txBody>
+                <a:bodyPr rtlCol="0" anchor="ctr"/>
+                <a:lstStyle/>
+                <a:p>
+                  <a:pPr algn="ctr"/>
+                  <a:endParaRPr lang="en-GB" sz="1200" dirty="0">
+                    <a:solidFill>
+                      <a:schemeClr val="tx1"/>
+                    </a:solidFill>
+                  </a:endParaRPr>
+                </a:p>
+              </p:txBody>
+            </p:sp>
+            <p:grpSp>
+              <p:nvGrpSpPr>
+                <p:cNvPr id="128" name="Group 127">
+                  <a:extLst>
+                    <a:ext uri="{FF2B5EF4-FFF2-40B4-BE49-F238E27FC236}">
+                      <a16:creationId xmlns:a16="http://schemas.microsoft.com/office/drawing/2014/main" id="{81490029-4F6F-4E6D-A745-7157DE5F0D29}"/>
+                    </a:ext>
+                  </a:extLst>
+                </p:cNvPr>
+                <p:cNvGrpSpPr/>
+                <p:nvPr/>
+              </p:nvGrpSpPr>
+              <p:grpSpPr>
+                <a:xfrm>
+                  <a:off x="2714625" y="2619375"/>
+                  <a:ext cx="161925" cy="171450"/>
+                  <a:chOff x="3724275" y="2705100"/>
+                  <a:chExt cx="161925" cy="171450"/>
+                </a:xfrm>
+              </p:grpSpPr>
+              <p:sp>
+                <p:nvSpPr>
+                  <p:cNvPr id="129" name="Oval 128">
+                    <a:extLst>
+                      <a:ext uri="{FF2B5EF4-FFF2-40B4-BE49-F238E27FC236}">
+                        <a16:creationId xmlns:a16="http://schemas.microsoft.com/office/drawing/2014/main" id="{AAA41C66-5A14-44A9-A587-7B9198D20484}"/>
+                      </a:ext>
+                    </a:extLst>
+                  </p:cNvPr>
+                  <p:cNvSpPr/>
+                  <p:nvPr/>
+                </p:nvSpPr>
+                <p:spPr>
+                  <a:xfrm>
+                    <a:off x="3724275" y="2705100"/>
+                    <a:ext cx="161925" cy="171450"/>
+                  </a:xfrm>
+                  <a:prstGeom prst="ellipse">
+                    <a:avLst/>
+                  </a:prstGeom>
+                  <a:noFill/>
+                  <a:ln w="19050">
+                    <a:solidFill>
+                      <a:schemeClr val="accent1">
+                        <a:lumMod val="75000"/>
+                      </a:schemeClr>
+                    </a:solidFill>
+                  </a:ln>
+                </p:spPr>
+                <p:style>
+                  <a:lnRef idx="2">
+                    <a:schemeClr val="accent1">
+                      <a:shade val="50000"/>
+                    </a:schemeClr>
+                  </a:lnRef>
+                  <a:fillRef idx="1">
+                    <a:schemeClr val="accent1"/>
+                  </a:fillRef>
+                  <a:effectRef idx="0">
+                    <a:schemeClr val="accent1"/>
+                  </a:effectRef>
+                  <a:fontRef idx="minor">
+                    <a:schemeClr val="lt1"/>
+                  </a:fontRef>
+                </p:style>
+                <p:txBody>
+                  <a:bodyPr rtlCol="0" anchor="ctr"/>
+                  <a:lstStyle/>
+                  <a:p>
+                    <a:pPr algn="ctr"/>
+                    <a:endParaRPr lang="en-GB" sz="1200" dirty="0">
+                      <a:solidFill>
+                        <a:schemeClr val="tx1"/>
+                      </a:solidFill>
+                    </a:endParaRPr>
+                  </a:p>
+                </p:txBody>
+              </p:sp>
+              <p:sp>
+                <p:nvSpPr>
+                  <p:cNvPr id="130" name="Rectangle 129">
+                    <a:extLst>
+                      <a:ext uri="{FF2B5EF4-FFF2-40B4-BE49-F238E27FC236}">
+                        <a16:creationId xmlns:a16="http://schemas.microsoft.com/office/drawing/2014/main" id="{477AA9B9-2F5B-427E-BC76-D1E8633362A6}"/>
+                      </a:ext>
+                    </a:extLst>
+                  </p:cNvPr>
+                  <p:cNvSpPr/>
+                  <p:nvPr/>
+                </p:nvSpPr>
+                <p:spPr>
+                  <a:xfrm>
+                    <a:off x="3800475" y="2705100"/>
+                    <a:ext cx="85725" cy="171450"/>
+                  </a:xfrm>
+                  <a:prstGeom prst="rect">
+                    <a:avLst/>
+                  </a:prstGeom>
+                  <a:solidFill>
+                    <a:schemeClr val="bg1"/>
+                  </a:solidFill>
+                  <a:ln w="19050">
+                    <a:solidFill>
+                      <a:schemeClr val="accent1">
+                        <a:lumMod val="75000"/>
+                      </a:schemeClr>
+                    </a:solidFill>
+                  </a:ln>
+                </p:spPr>
+                <p:style>
+                  <a:lnRef idx="2">
+                    <a:schemeClr val="accent1">
+                      <a:shade val="50000"/>
+                    </a:schemeClr>
+                  </a:lnRef>
+                  <a:fillRef idx="1">
+                    <a:schemeClr val="accent1"/>
+                  </a:fillRef>
+                  <a:effectRef idx="0">
+                    <a:schemeClr val="accent1"/>
+                  </a:effectRef>
+                  <a:fontRef idx="minor">
+                    <a:schemeClr val="lt1"/>
+                  </a:fontRef>
+                </p:style>
+                <p:txBody>
+                  <a:bodyPr rtlCol="0" anchor="ctr"/>
+                  <a:lstStyle/>
+                  <a:p>
+                    <a:pPr algn="ctr"/>
+                    <a:endParaRPr lang="en-GB" sz="1200" dirty="0">
+                      <a:solidFill>
+                        <a:schemeClr val="tx1"/>
+                      </a:solidFill>
+                    </a:endParaRPr>
+                  </a:p>
+                </p:txBody>
+              </p:sp>
+            </p:grpSp>
+          </p:grpSp>
+          <p:grpSp>
+            <p:nvGrpSpPr>
+              <p:cNvPr id="122" name="Group 121">
+                <a:extLst>
+                  <a:ext uri="{FF2B5EF4-FFF2-40B4-BE49-F238E27FC236}">
+                    <a16:creationId xmlns:a16="http://schemas.microsoft.com/office/drawing/2014/main" id="{CE06B8FB-2C5A-4EA0-9292-ACEB558C09F2}"/>
+                  </a:ext>
+                </a:extLst>
+              </p:cNvPr>
+              <p:cNvGrpSpPr/>
+              <p:nvPr/>
+            </p:nvGrpSpPr>
+            <p:grpSpPr>
+              <a:xfrm rot="10800000">
+                <a:off x="1561764" y="2333624"/>
+                <a:ext cx="161926" cy="419100"/>
+                <a:chOff x="2714625" y="2371725"/>
+                <a:chExt cx="161926" cy="419100"/>
+              </a:xfrm>
+            </p:grpSpPr>
+            <p:sp>
+              <p:nvSpPr>
+                <p:cNvPr id="123" name="Oval 122">
+                  <a:extLst>
+                    <a:ext uri="{FF2B5EF4-FFF2-40B4-BE49-F238E27FC236}">
+                      <a16:creationId xmlns:a16="http://schemas.microsoft.com/office/drawing/2014/main" id="{54769EF4-4A41-418B-9BD1-D73227BB0F7A}"/>
+                    </a:ext>
+                  </a:extLst>
+                </p:cNvPr>
+                <p:cNvSpPr/>
+                <p:nvPr/>
+              </p:nvSpPr>
+              <p:spPr>
+                <a:xfrm>
+                  <a:off x="2714625" y="2371725"/>
+                  <a:ext cx="161925" cy="171450"/>
+                </a:xfrm>
+                <a:prstGeom prst="ellipse">
+                  <a:avLst/>
+                </a:prstGeom>
+                <a:noFill/>
+                <a:ln w="19050">
+                  <a:solidFill>
+                    <a:schemeClr val="accent1">
+                      <a:lumMod val="75000"/>
+                    </a:schemeClr>
+                  </a:solidFill>
+                </a:ln>
+              </p:spPr>
+              <p:style>
+                <a:lnRef idx="2">
+                  <a:schemeClr val="accent1">
+                    <a:shade val="50000"/>
+                  </a:schemeClr>
+                </a:lnRef>
+                <a:fillRef idx="1">
+                  <a:schemeClr val="accent1"/>
+                </a:fillRef>
+                <a:effectRef idx="0">
+                  <a:schemeClr val="accent1"/>
+                </a:effectRef>
+                <a:fontRef idx="minor">
+                  <a:schemeClr val="lt1"/>
+                </a:fontRef>
+              </p:style>
+              <p:txBody>
+                <a:bodyPr rtlCol="0" anchor="ctr"/>
+                <a:lstStyle/>
+                <a:p>
+                  <a:pPr algn="ctr"/>
+                  <a:endParaRPr lang="en-GB" sz="1200" dirty="0">
+                    <a:solidFill>
+                      <a:schemeClr val="tx1"/>
+                    </a:solidFill>
+                  </a:endParaRPr>
+                </a:p>
+              </p:txBody>
+            </p:sp>
+            <p:grpSp>
+              <p:nvGrpSpPr>
+                <p:cNvPr id="124" name="Group 123">
+                  <a:extLst>
+                    <a:ext uri="{FF2B5EF4-FFF2-40B4-BE49-F238E27FC236}">
+                      <a16:creationId xmlns:a16="http://schemas.microsoft.com/office/drawing/2014/main" id="{E870D5F3-EC99-43C3-B226-74F3843190C1}"/>
+                    </a:ext>
+                  </a:extLst>
+                </p:cNvPr>
+                <p:cNvGrpSpPr/>
+                <p:nvPr/>
+              </p:nvGrpSpPr>
+              <p:grpSpPr>
+                <a:xfrm>
+                  <a:off x="2714625" y="2619375"/>
+                  <a:ext cx="161926" cy="171450"/>
+                  <a:chOff x="3724275" y="2705100"/>
+                  <a:chExt cx="161926" cy="171450"/>
+                </a:xfrm>
+              </p:grpSpPr>
+              <p:sp>
+                <p:nvSpPr>
+                  <p:cNvPr id="125" name="Oval 124">
+                    <a:extLst>
+                      <a:ext uri="{FF2B5EF4-FFF2-40B4-BE49-F238E27FC236}">
+                        <a16:creationId xmlns:a16="http://schemas.microsoft.com/office/drawing/2014/main" id="{CCFD690B-830C-4DAB-8745-635ABF8C2954}"/>
+                      </a:ext>
+                    </a:extLst>
+                  </p:cNvPr>
+                  <p:cNvSpPr/>
+                  <p:nvPr/>
+                </p:nvSpPr>
+                <p:spPr>
+                  <a:xfrm>
+                    <a:off x="3724275" y="2705100"/>
+                    <a:ext cx="161925" cy="171450"/>
+                  </a:xfrm>
+                  <a:prstGeom prst="ellipse">
+                    <a:avLst/>
+                  </a:prstGeom>
+                  <a:noFill/>
+                  <a:ln w="19050">
+                    <a:solidFill>
+                      <a:schemeClr val="accent1">
+                        <a:lumMod val="75000"/>
+                      </a:schemeClr>
+                    </a:solidFill>
+                  </a:ln>
+                </p:spPr>
+                <p:style>
+                  <a:lnRef idx="2">
+                    <a:schemeClr val="accent1">
+                      <a:shade val="50000"/>
+                    </a:schemeClr>
+                  </a:lnRef>
+                  <a:fillRef idx="1">
+                    <a:schemeClr val="accent1"/>
+                  </a:fillRef>
+                  <a:effectRef idx="0">
+                    <a:schemeClr val="accent1"/>
+                  </a:effectRef>
+                  <a:fontRef idx="minor">
+                    <a:schemeClr val="lt1"/>
+                  </a:fontRef>
+                </p:style>
+                <p:txBody>
+                  <a:bodyPr rtlCol="0" anchor="ctr"/>
+                  <a:lstStyle/>
+                  <a:p>
+                    <a:pPr algn="ctr"/>
+                    <a:endParaRPr lang="en-GB" sz="1200" dirty="0">
+                      <a:solidFill>
+                        <a:schemeClr val="tx1"/>
+                      </a:solidFill>
+                    </a:endParaRPr>
+                  </a:p>
+                </p:txBody>
+              </p:sp>
+              <p:sp>
+                <p:nvSpPr>
+                  <p:cNvPr id="126" name="Rectangle 125">
+                    <a:extLst>
+                      <a:ext uri="{FF2B5EF4-FFF2-40B4-BE49-F238E27FC236}">
+                        <a16:creationId xmlns:a16="http://schemas.microsoft.com/office/drawing/2014/main" id="{0993EA98-554F-4D37-B19E-54320027097E}"/>
+                      </a:ext>
+                    </a:extLst>
+                  </p:cNvPr>
+                  <p:cNvSpPr/>
+                  <p:nvPr/>
+                </p:nvSpPr>
+                <p:spPr>
+                  <a:xfrm>
+                    <a:off x="3800476" y="2705100"/>
+                    <a:ext cx="85725" cy="171450"/>
+                  </a:xfrm>
+                  <a:prstGeom prst="rect">
+                    <a:avLst/>
+                  </a:prstGeom>
+                  <a:solidFill>
+                    <a:schemeClr val="bg1"/>
+                  </a:solidFill>
+                  <a:ln w="19050">
+                    <a:solidFill>
+                      <a:schemeClr val="accent1">
+                        <a:lumMod val="75000"/>
+                      </a:schemeClr>
+                    </a:solidFill>
+                  </a:ln>
+                </p:spPr>
+                <p:style>
+                  <a:lnRef idx="2">
+                    <a:schemeClr val="accent1">
+                      <a:shade val="50000"/>
+                    </a:schemeClr>
+                  </a:lnRef>
+                  <a:fillRef idx="1">
+                    <a:schemeClr val="accent1"/>
+                  </a:fillRef>
+                  <a:effectRef idx="0">
+                    <a:schemeClr val="accent1"/>
+                  </a:effectRef>
+                  <a:fontRef idx="minor">
+                    <a:schemeClr val="lt1"/>
+                  </a:fontRef>
+                </p:style>
+                <p:txBody>
+                  <a:bodyPr rtlCol="0" anchor="ctr"/>
+                  <a:lstStyle/>
+                  <a:p>
+                    <a:pPr algn="ctr"/>
+                    <a:endParaRPr lang="en-GB" sz="1200" dirty="0">
+                      <a:solidFill>
+                        <a:schemeClr val="tx1"/>
+                      </a:solidFill>
+                    </a:endParaRPr>
+                  </a:p>
+                </p:txBody>
+              </p:sp>
+            </p:grpSp>
+          </p:grpSp>
+        </p:grpSp>
+        <p:sp>
+          <p:nvSpPr>
+            <p:cNvPr id="131" name="TextBox 130">
+              <a:extLst>
+                <a:ext uri="{FF2B5EF4-FFF2-40B4-BE49-F238E27FC236}">
+                  <a16:creationId xmlns:a16="http://schemas.microsoft.com/office/drawing/2014/main" id="{9386CDC0-DA11-4F66-8BEB-5995E29DEF2E}"/>
+                </a:ext>
+              </a:extLst>
+            </p:cNvPr>
+            <p:cNvSpPr txBox="1"/>
+            <p:nvPr/>
+          </p:nvSpPr>
+          <p:spPr>
+            <a:xfrm>
+              <a:off x="1019074" y="1105346"/>
+              <a:ext cx="1711988" cy="738664"/>
+            </a:xfrm>
+            <a:prstGeom prst="rect">
+              <a:avLst/>
+            </a:prstGeom>
+            <a:noFill/>
+            <a:ln>
+              <a:noFill/>
+            </a:ln>
+          </p:spPr>
+          <p:txBody>
+            <a:bodyPr wrap="square" rtlCol="0">
+              <a:spAutoFit/>
+            </a:bodyPr>
+            <a:lstStyle>
+              <a:defPPr>
+                <a:defRPr lang="en-US"/>
+              </a:defPPr>
+              <a:lvl1pPr algn="ctr">
+                <a:defRPr sz="1400" b="1"/>
+              </a:lvl1pPr>
+            </a:lstStyle>
+            <a:p>
+              <a:r>
+                <a:rPr lang="en-GB" dirty="0"/>
+                <a:t>&lt;Repository&gt;</a:t>
+              </a:r>
+            </a:p>
+            <a:p>
+              <a:r>
+                <a:rPr lang="en-GB" dirty="0"/>
+                <a:t>FactorySetting</a:t>
+              </a:r>
+              <a:br>
+                <a:rPr lang="en-GB" dirty="0"/>
+              </a:br>
+              <a:r>
+                <a:rPr lang="en-GB" dirty="0"/>
+                <a:t>Repository</a:t>
+              </a:r>
+            </a:p>
+          </p:txBody>
+        </p:sp>
+      </p:grpSp>
+      <p:grpSp>
+        <p:nvGrpSpPr>
+          <p:cNvPr id="164" name="Group 163">
+            <a:extLst>
+              <a:ext uri="{FF2B5EF4-FFF2-40B4-BE49-F238E27FC236}">
+                <a16:creationId xmlns:a16="http://schemas.microsoft.com/office/drawing/2014/main" id="{111AB149-1EF9-4922-8709-C29C04FA36A7}"/>
+              </a:ext>
+            </a:extLst>
+          </p:cNvPr>
+          <p:cNvGrpSpPr/>
+          <p:nvPr/>
+        </p:nvGrpSpPr>
+        <p:grpSpPr>
+          <a:xfrm>
+            <a:off x="1153827" y="2834423"/>
+            <a:ext cx="2563149" cy="983530"/>
+            <a:chOff x="583812" y="2763171"/>
+            <a:chExt cx="2563149" cy="983530"/>
+          </a:xfrm>
+        </p:grpSpPr>
+        <p:grpSp>
+          <p:nvGrpSpPr>
+            <p:cNvPr id="132" name="Group 131">
+              <a:extLst>
+                <a:ext uri="{FF2B5EF4-FFF2-40B4-BE49-F238E27FC236}">
+                  <a16:creationId xmlns:a16="http://schemas.microsoft.com/office/drawing/2014/main" id="{8663F154-768E-4569-AE5D-A23AE43F7EA0}"/>
+                </a:ext>
+              </a:extLst>
+            </p:cNvPr>
+            <p:cNvGrpSpPr/>
+            <p:nvPr/>
+          </p:nvGrpSpPr>
+          <p:grpSpPr>
+            <a:xfrm>
+              <a:off x="583812" y="2763171"/>
+              <a:ext cx="2563149" cy="983530"/>
+              <a:chOff x="1561764" y="2295525"/>
+              <a:chExt cx="1305261" cy="495300"/>
+            </a:xfrm>
+          </p:grpSpPr>
+          <p:sp>
+            <p:nvSpPr>
+              <p:cNvPr id="133" name="Rectangle 132">
+                <a:extLst>
+                  <a:ext uri="{FF2B5EF4-FFF2-40B4-BE49-F238E27FC236}">
+                    <a16:creationId xmlns:a16="http://schemas.microsoft.com/office/drawing/2014/main" id="{AD012BA3-C21D-4ED4-B607-1553DE4B02C7}"/>
+                  </a:ext>
+                </a:extLst>
+              </p:cNvPr>
+              <p:cNvSpPr/>
+              <p:nvPr/>
+            </p:nvSpPr>
+            <p:spPr>
+              <a:xfrm>
+                <a:off x="1733550" y="2295525"/>
+                <a:ext cx="971550" cy="495300"/>
+              </a:xfrm>
+              <a:prstGeom prst="rect">
+                <a:avLst/>
+              </a:prstGeom>
+              <a:noFill/>
+              <a:ln w="19050">
+                <a:solidFill>
+                  <a:schemeClr val="accent1">
+                    <a:lumMod val="75000"/>
+                  </a:schemeClr>
+                </a:solidFill>
+              </a:ln>
+            </p:spPr>
+            <p:style>
+              <a:lnRef idx="2">
+                <a:schemeClr val="accent1">
+                  <a:shade val="50000"/>
+                </a:schemeClr>
+              </a:lnRef>
+              <a:fillRef idx="1">
+                <a:schemeClr val="accent1"/>
+              </a:fillRef>
+              <a:effectRef idx="0">
+                <a:schemeClr val="accent1"/>
+              </a:effectRef>
+              <a:fontRef idx="minor">
+                <a:schemeClr val="lt1"/>
+              </a:fontRef>
+            </p:style>
+            <p:txBody>
+              <a:bodyPr rtlCol="0" anchor="ctr"/>
+              <a:lstStyle/>
+              <a:p>
+                <a:pPr algn="ctr"/>
+                <a:endParaRPr lang="en-GB" sz="1200" dirty="0">
+                  <a:solidFill>
+                    <a:schemeClr val="tx1"/>
+                  </a:solidFill>
+                </a:endParaRPr>
+              </a:p>
+            </p:txBody>
+          </p:sp>
+          <p:grpSp>
+            <p:nvGrpSpPr>
+              <p:cNvPr id="134" name="Group 133">
+                <a:extLst>
+                  <a:ext uri="{FF2B5EF4-FFF2-40B4-BE49-F238E27FC236}">
+                    <a16:creationId xmlns:a16="http://schemas.microsoft.com/office/drawing/2014/main" id="{C167B8E6-D90B-468C-871C-DBE2AD1F2F94}"/>
+                  </a:ext>
+                </a:extLst>
+              </p:cNvPr>
+              <p:cNvGrpSpPr/>
+              <p:nvPr/>
+            </p:nvGrpSpPr>
+            <p:grpSpPr>
+              <a:xfrm>
+                <a:off x="2705100" y="2333625"/>
+                <a:ext cx="161925" cy="419100"/>
+                <a:chOff x="2714625" y="2371725"/>
+                <a:chExt cx="161925" cy="419100"/>
+              </a:xfrm>
+            </p:grpSpPr>
+            <p:sp>
+              <p:nvSpPr>
+                <p:cNvPr id="140" name="Oval 139">
+                  <a:extLst>
+                    <a:ext uri="{FF2B5EF4-FFF2-40B4-BE49-F238E27FC236}">
+                      <a16:creationId xmlns:a16="http://schemas.microsoft.com/office/drawing/2014/main" id="{E765C14D-BDDB-4BAA-B061-6848245A7237}"/>
+                    </a:ext>
+                  </a:extLst>
+                </p:cNvPr>
+                <p:cNvSpPr/>
+                <p:nvPr/>
+              </p:nvSpPr>
+              <p:spPr>
+                <a:xfrm>
+                  <a:off x="2714625" y="2371725"/>
+                  <a:ext cx="161925" cy="171450"/>
+                </a:xfrm>
+                <a:prstGeom prst="ellipse">
+                  <a:avLst/>
+                </a:prstGeom>
+                <a:noFill/>
+                <a:ln w="19050">
+                  <a:solidFill>
+                    <a:schemeClr val="accent1">
+                      <a:lumMod val="75000"/>
+                    </a:schemeClr>
+                  </a:solidFill>
+                </a:ln>
+              </p:spPr>
+              <p:style>
+                <a:lnRef idx="2">
+                  <a:schemeClr val="accent1">
+                    <a:shade val="50000"/>
+                  </a:schemeClr>
+                </a:lnRef>
+                <a:fillRef idx="1">
+                  <a:schemeClr val="accent1"/>
+                </a:fillRef>
+                <a:effectRef idx="0">
+                  <a:schemeClr val="accent1"/>
+                </a:effectRef>
+                <a:fontRef idx="minor">
+                  <a:schemeClr val="lt1"/>
+                </a:fontRef>
+              </p:style>
+              <p:txBody>
+                <a:bodyPr rtlCol="0" anchor="ctr"/>
+                <a:lstStyle/>
+                <a:p>
+                  <a:pPr algn="ctr"/>
+                  <a:endParaRPr lang="en-GB" sz="1200" dirty="0">
+                    <a:solidFill>
+                      <a:schemeClr val="tx1"/>
+                    </a:solidFill>
+                  </a:endParaRPr>
+                </a:p>
+              </p:txBody>
+            </p:sp>
+            <p:grpSp>
+              <p:nvGrpSpPr>
+                <p:cNvPr id="141" name="Group 140">
+                  <a:extLst>
+                    <a:ext uri="{FF2B5EF4-FFF2-40B4-BE49-F238E27FC236}">
+                      <a16:creationId xmlns:a16="http://schemas.microsoft.com/office/drawing/2014/main" id="{91A18D3F-021A-4E20-8B5F-733B637735A9}"/>
+                    </a:ext>
+                  </a:extLst>
+                </p:cNvPr>
+                <p:cNvGrpSpPr/>
+                <p:nvPr/>
+              </p:nvGrpSpPr>
+              <p:grpSpPr>
+                <a:xfrm>
+                  <a:off x="2714625" y="2619375"/>
+                  <a:ext cx="161925" cy="171450"/>
+                  <a:chOff x="3724275" y="2705100"/>
+                  <a:chExt cx="161925" cy="171450"/>
+                </a:xfrm>
+              </p:grpSpPr>
+              <p:sp>
+                <p:nvSpPr>
+                  <p:cNvPr id="142" name="Oval 141">
+                    <a:extLst>
+                      <a:ext uri="{FF2B5EF4-FFF2-40B4-BE49-F238E27FC236}">
+                        <a16:creationId xmlns:a16="http://schemas.microsoft.com/office/drawing/2014/main" id="{5EFC4C7D-5707-4CE8-BFE6-43F95FFC4711}"/>
+                      </a:ext>
+                    </a:extLst>
+                  </p:cNvPr>
+                  <p:cNvSpPr/>
+                  <p:nvPr/>
+                </p:nvSpPr>
+                <p:spPr>
+                  <a:xfrm>
+                    <a:off x="3724275" y="2705100"/>
+                    <a:ext cx="161925" cy="171450"/>
+                  </a:xfrm>
+                  <a:prstGeom prst="ellipse">
+                    <a:avLst/>
+                  </a:prstGeom>
+                  <a:noFill/>
+                  <a:ln w="19050">
+                    <a:solidFill>
+                      <a:schemeClr val="accent1">
+                        <a:lumMod val="75000"/>
+                      </a:schemeClr>
+                    </a:solidFill>
+                  </a:ln>
+                </p:spPr>
+                <p:style>
+                  <a:lnRef idx="2">
+                    <a:schemeClr val="accent1">
+                      <a:shade val="50000"/>
+                    </a:schemeClr>
+                  </a:lnRef>
+                  <a:fillRef idx="1">
+                    <a:schemeClr val="accent1"/>
+                  </a:fillRef>
+                  <a:effectRef idx="0">
+                    <a:schemeClr val="accent1"/>
+                  </a:effectRef>
+                  <a:fontRef idx="minor">
+                    <a:schemeClr val="lt1"/>
+                  </a:fontRef>
+                </p:style>
+                <p:txBody>
+                  <a:bodyPr rtlCol="0" anchor="ctr"/>
+                  <a:lstStyle/>
+                  <a:p>
+                    <a:pPr algn="ctr"/>
+                    <a:endParaRPr lang="en-GB" sz="1200" dirty="0">
+                      <a:solidFill>
+                        <a:schemeClr val="tx1"/>
+                      </a:solidFill>
+                    </a:endParaRPr>
+                  </a:p>
+                </p:txBody>
+              </p:sp>
+              <p:sp>
+                <p:nvSpPr>
+                  <p:cNvPr id="143" name="Rectangle 142">
+                    <a:extLst>
+                      <a:ext uri="{FF2B5EF4-FFF2-40B4-BE49-F238E27FC236}">
+                        <a16:creationId xmlns:a16="http://schemas.microsoft.com/office/drawing/2014/main" id="{2F9BE56B-7CDD-48E6-A37E-2D44B1DFD5B6}"/>
+                      </a:ext>
+                    </a:extLst>
+                  </p:cNvPr>
+                  <p:cNvSpPr/>
+                  <p:nvPr/>
+                </p:nvSpPr>
+                <p:spPr>
+                  <a:xfrm>
+                    <a:off x="3800475" y="2705100"/>
+                    <a:ext cx="85725" cy="171450"/>
+                  </a:xfrm>
+                  <a:prstGeom prst="rect">
+                    <a:avLst/>
+                  </a:prstGeom>
+                  <a:solidFill>
+                    <a:schemeClr val="bg1"/>
+                  </a:solidFill>
+                  <a:ln w="19050">
+                    <a:solidFill>
+                      <a:schemeClr val="accent1">
+                        <a:lumMod val="75000"/>
+                      </a:schemeClr>
+                    </a:solidFill>
+                  </a:ln>
+                </p:spPr>
+                <p:style>
+                  <a:lnRef idx="2">
+                    <a:schemeClr val="accent1">
+                      <a:shade val="50000"/>
+                    </a:schemeClr>
+                  </a:lnRef>
+                  <a:fillRef idx="1">
+                    <a:schemeClr val="accent1"/>
+                  </a:fillRef>
+                  <a:effectRef idx="0">
+                    <a:schemeClr val="accent1"/>
+                  </a:effectRef>
+                  <a:fontRef idx="minor">
+                    <a:schemeClr val="lt1"/>
+                  </a:fontRef>
+                </p:style>
+                <p:txBody>
+                  <a:bodyPr rtlCol="0" anchor="ctr"/>
+                  <a:lstStyle/>
+                  <a:p>
+                    <a:pPr algn="ctr"/>
+                    <a:endParaRPr lang="en-GB" sz="1200" dirty="0">
+                      <a:solidFill>
+                        <a:schemeClr val="tx1"/>
+                      </a:solidFill>
+                    </a:endParaRPr>
+                  </a:p>
+                </p:txBody>
+              </p:sp>
+            </p:grpSp>
+          </p:grpSp>
+          <p:grpSp>
+            <p:nvGrpSpPr>
+              <p:cNvPr id="135" name="Group 134">
+                <a:extLst>
+                  <a:ext uri="{FF2B5EF4-FFF2-40B4-BE49-F238E27FC236}">
+                    <a16:creationId xmlns:a16="http://schemas.microsoft.com/office/drawing/2014/main" id="{B176F9E9-36BE-4E3F-B31D-417070A50D06}"/>
+                  </a:ext>
+                </a:extLst>
+              </p:cNvPr>
+              <p:cNvGrpSpPr/>
+              <p:nvPr/>
+            </p:nvGrpSpPr>
+            <p:grpSpPr>
+              <a:xfrm rot="10800000">
+                <a:off x="1561764" y="2333624"/>
+                <a:ext cx="161926" cy="419100"/>
+                <a:chOff x="2714625" y="2371725"/>
+                <a:chExt cx="161926" cy="419100"/>
+              </a:xfrm>
+            </p:grpSpPr>
+            <p:sp>
+              <p:nvSpPr>
+                <p:cNvPr id="136" name="Oval 135">
+                  <a:extLst>
+                    <a:ext uri="{FF2B5EF4-FFF2-40B4-BE49-F238E27FC236}">
+                      <a16:creationId xmlns:a16="http://schemas.microsoft.com/office/drawing/2014/main" id="{132853CE-B2B5-4E69-9E2D-7B34199BC6BB}"/>
+                    </a:ext>
+                  </a:extLst>
+                </p:cNvPr>
+                <p:cNvSpPr/>
+                <p:nvPr/>
+              </p:nvSpPr>
+              <p:spPr>
+                <a:xfrm>
+                  <a:off x="2714625" y="2371725"/>
+                  <a:ext cx="161925" cy="171450"/>
+                </a:xfrm>
+                <a:prstGeom prst="ellipse">
+                  <a:avLst/>
+                </a:prstGeom>
+                <a:noFill/>
+                <a:ln w="19050">
+                  <a:solidFill>
+                    <a:schemeClr val="accent1">
+                      <a:lumMod val="75000"/>
+                    </a:schemeClr>
+                  </a:solidFill>
+                </a:ln>
+              </p:spPr>
+              <p:style>
+                <a:lnRef idx="2">
+                  <a:schemeClr val="accent1">
+                    <a:shade val="50000"/>
+                  </a:schemeClr>
+                </a:lnRef>
+                <a:fillRef idx="1">
+                  <a:schemeClr val="accent1"/>
+                </a:fillRef>
+                <a:effectRef idx="0">
+                  <a:schemeClr val="accent1"/>
+                </a:effectRef>
+                <a:fontRef idx="minor">
+                  <a:schemeClr val="lt1"/>
+                </a:fontRef>
+              </p:style>
+              <p:txBody>
+                <a:bodyPr rtlCol="0" anchor="ctr"/>
+                <a:lstStyle/>
+                <a:p>
+                  <a:pPr algn="ctr"/>
+                  <a:endParaRPr lang="en-GB" sz="1200" dirty="0">
+                    <a:solidFill>
+                      <a:schemeClr val="tx1"/>
+                    </a:solidFill>
+                  </a:endParaRPr>
+                </a:p>
+              </p:txBody>
+            </p:sp>
+            <p:grpSp>
+              <p:nvGrpSpPr>
+                <p:cNvPr id="137" name="Group 136">
+                  <a:extLst>
+                    <a:ext uri="{FF2B5EF4-FFF2-40B4-BE49-F238E27FC236}">
+                      <a16:creationId xmlns:a16="http://schemas.microsoft.com/office/drawing/2014/main" id="{FF9FC009-C39E-4E44-8D53-59406550A890}"/>
+                    </a:ext>
+                  </a:extLst>
+                </p:cNvPr>
+                <p:cNvGrpSpPr/>
+                <p:nvPr/>
+              </p:nvGrpSpPr>
+              <p:grpSpPr>
+                <a:xfrm>
+                  <a:off x="2714625" y="2619375"/>
+                  <a:ext cx="161926" cy="171450"/>
+                  <a:chOff x="3724275" y="2705100"/>
+                  <a:chExt cx="161926" cy="171450"/>
+                </a:xfrm>
+              </p:grpSpPr>
+              <p:sp>
+                <p:nvSpPr>
+                  <p:cNvPr id="138" name="Oval 137">
+                    <a:extLst>
+                      <a:ext uri="{FF2B5EF4-FFF2-40B4-BE49-F238E27FC236}">
+                        <a16:creationId xmlns:a16="http://schemas.microsoft.com/office/drawing/2014/main" id="{19598864-93DE-4A58-9ECE-3DD4C0710694}"/>
+                      </a:ext>
+                    </a:extLst>
+                  </p:cNvPr>
+                  <p:cNvSpPr/>
+                  <p:nvPr/>
+                </p:nvSpPr>
+                <p:spPr>
+                  <a:xfrm>
+                    <a:off x="3724275" y="2705100"/>
+                    <a:ext cx="161925" cy="171450"/>
+                  </a:xfrm>
+                  <a:prstGeom prst="ellipse">
+                    <a:avLst/>
+                  </a:prstGeom>
+                  <a:noFill/>
+                  <a:ln w="19050">
+                    <a:solidFill>
+                      <a:schemeClr val="accent1">
+                        <a:lumMod val="75000"/>
+                      </a:schemeClr>
+                    </a:solidFill>
+                  </a:ln>
+                </p:spPr>
+                <p:style>
+                  <a:lnRef idx="2">
+                    <a:schemeClr val="accent1">
+                      <a:shade val="50000"/>
+                    </a:schemeClr>
+                  </a:lnRef>
+                  <a:fillRef idx="1">
+                    <a:schemeClr val="accent1"/>
+                  </a:fillRef>
+                  <a:effectRef idx="0">
+                    <a:schemeClr val="accent1"/>
+                  </a:effectRef>
+                  <a:fontRef idx="minor">
+                    <a:schemeClr val="lt1"/>
+                  </a:fontRef>
+                </p:style>
+                <p:txBody>
+                  <a:bodyPr rtlCol="0" anchor="ctr"/>
+                  <a:lstStyle/>
+                  <a:p>
+                    <a:pPr algn="ctr"/>
+                    <a:endParaRPr lang="en-GB" sz="1200" dirty="0">
+                      <a:solidFill>
+                        <a:schemeClr val="tx1"/>
+                      </a:solidFill>
+                    </a:endParaRPr>
+                  </a:p>
+                </p:txBody>
+              </p:sp>
+              <p:sp>
+                <p:nvSpPr>
+                  <p:cNvPr id="139" name="Rectangle 138">
+                    <a:extLst>
+                      <a:ext uri="{FF2B5EF4-FFF2-40B4-BE49-F238E27FC236}">
+                        <a16:creationId xmlns:a16="http://schemas.microsoft.com/office/drawing/2014/main" id="{03F2FCDE-1C85-4CC4-8E53-6534F48787A5}"/>
+                      </a:ext>
+                    </a:extLst>
+                  </p:cNvPr>
+                  <p:cNvSpPr/>
+                  <p:nvPr/>
+                </p:nvSpPr>
+                <p:spPr>
+                  <a:xfrm>
+                    <a:off x="3800476" y="2705100"/>
+                    <a:ext cx="85725" cy="171450"/>
+                  </a:xfrm>
+                  <a:prstGeom prst="rect">
+                    <a:avLst/>
+                  </a:prstGeom>
+                  <a:solidFill>
+                    <a:schemeClr val="bg1"/>
+                  </a:solidFill>
+                  <a:ln w="19050">
+                    <a:solidFill>
+                      <a:schemeClr val="accent1">
+                        <a:lumMod val="75000"/>
+                      </a:schemeClr>
+                    </a:solidFill>
+                  </a:ln>
+                </p:spPr>
+                <p:style>
+                  <a:lnRef idx="2">
+                    <a:schemeClr val="accent1">
+                      <a:shade val="50000"/>
+                    </a:schemeClr>
+                  </a:lnRef>
+                  <a:fillRef idx="1">
+                    <a:schemeClr val="accent1"/>
+                  </a:fillRef>
+                  <a:effectRef idx="0">
+                    <a:schemeClr val="accent1"/>
+                  </a:effectRef>
+                  <a:fontRef idx="minor">
+                    <a:schemeClr val="lt1"/>
+                  </a:fontRef>
+                </p:style>
+                <p:txBody>
+                  <a:bodyPr rtlCol="0" anchor="ctr"/>
+                  <a:lstStyle/>
+                  <a:p>
+                    <a:pPr algn="ctr"/>
+                    <a:endParaRPr lang="en-GB" sz="1200" dirty="0">
+                      <a:solidFill>
+                        <a:schemeClr val="tx1"/>
+                      </a:solidFill>
+                    </a:endParaRPr>
+                  </a:p>
+                </p:txBody>
+              </p:sp>
+            </p:grpSp>
+          </p:grpSp>
+        </p:grpSp>
+        <p:sp>
+          <p:nvSpPr>
+            <p:cNvPr id="144" name="TextBox 143">
+              <a:extLst>
+                <a:ext uri="{FF2B5EF4-FFF2-40B4-BE49-F238E27FC236}">
+                  <a16:creationId xmlns:a16="http://schemas.microsoft.com/office/drawing/2014/main" id="{7030F792-CFF7-4383-8A46-CB22A42924F3}"/>
+                </a:ext>
+              </a:extLst>
+            </p:cNvPr>
+            <p:cNvSpPr txBox="1"/>
+            <p:nvPr/>
+          </p:nvSpPr>
+          <p:spPr>
+            <a:xfrm>
+              <a:off x="1019074" y="2785741"/>
+              <a:ext cx="1711988" cy="738664"/>
+            </a:xfrm>
+            <a:prstGeom prst="rect">
+              <a:avLst/>
+            </a:prstGeom>
+            <a:noFill/>
+            <a:ln>
+              <a:noFill/>
+            </a:ln>
+          </p:spPr>
+          <p:txBody>
+            <a:bodyPr wrap="square" rtlCol="0">
+              <a:spAutoFit/>
+            </a:bodyPr>
+            <a:lstStyle>
+              <a:defPPr>
+                <a:defRPr lang="en-US"/>
+              </a:defPPr>
+              <a:lvl1pPr algn="ctr">
+                <a:defRPr sz="1400" b="1"/>
+              </a:lvl1pPr>
+            </a:lstStyle>
+            <a:p>
+              <a:r>
+                <a:rPr lang="en-GB" dirty="0"/>
+                <a:t>&lt;Service&gt;</a:t>
+              </a:r>
+            </a:p>
+            <a:p>
+              <a:r>
+                <a:rPr lang="en-GB" dirty="0"/>
+                <a:t>FactorySetting</a:t>
+              </a:r>
+              <a:br>
+                <a:rPr lang="en-GB" dirty="0"/>
+              </a:br>
+              <a:r>
+                <a:rPr lang="en-GB" dirty="0"/>
+                <a:t>Service</a:t>
+              </a:r>
+            </a:p>
+          </p:txBody>
+        </p:sp>
+      </p:grpSp>
+      <p:grpSp>
+        <p:nvGrpSpPr>
+          <p:cNvPr id="163" name="Group 162">
+            <a:extLst>
+              <a:ext uri="{FF2B5EF4-FFF2-40B4-BE49-F238E27FC236}">
+                <a16:creationId xmlns:a16="http://schemas.microsoft.com/office/drawing/2014/main" id="{0079FA22-E45E-49A0-9E14-4A74DBC94454}"/>
+              </a:ext>
+            </a:extLst>
+          </p:cNvPr>
+          <p:cNvGrpSpPr/>
+          <p:nvPr/>
+        </p:nvGrpSpPr>
+        <p:grpSpPr>
+          <a:xfrm>
+            <a:off x="1723842" y="4455709"/>
+            <a:ext cx="2563149" cy="983530"/>
+            <a:chOff x="583811" y="4372582"/>
+            <a:chExt cx="2563149" cy="983530"/>
+          </a:xfrm>
+        </p:grpSpPr>
+        <p:grpSp>
+          <p:nvGrpSpPr>
+            <p:cNvPr id="145" name="Group 144">
+              <a:extLst>
+                <a:ext uri="{FF2B5EF4-FFF2-40B4-BE49-F238E27FC236}">
+                  <a16:creationId xmlns:a16="http://schemas.microsoft.com/office/drawing/2014/main" id="{3AA9DE9B-C19B-4534-87FC-2A63C5D307C2}"/>
+                </a:ext>
+              </a:extLst>
+            </p:cNvPr>
+            <p:cNvGrpSpPr/>
+            <p:nvPr/>
+          </p:nvGrpSpPr>
+          <p:grpSpPr>
+            <a:xfrm>
+              <a:off x="583811" y="4372582"/>
+              <a:ext cx="2563149" cy="983530"/>
+              <a:chOff x="1561764" y="2295525"/>
+              <a:chExt cx="1305261" cy="495300"/>
+            </a:xfrm>
+          </p:grpSpPr>
+          <p:sp>
+            <p:nvSpPr>
+              <p:cNvPr id="146" name="Rectangle 145">
+                <a:extLst>
+                  <a:ext uri="{FF2B5EF4-FFF2-40B4-BE49-F238E27FC236}">
+                    <a16:creationId xmlns:a16="http://schemas.microsoft.com/office/drawing/2014/main" id="{A206D712-2670-4470-89FA-FC00F58A284A}"/>
+                  </a:ext>
+                </a:extLst>
+              </p:cNvPr>
+              <p:cNvSpPr/>
+              <p:nvPr/>
+            </p:nvSpPr>
+            <p:spPr>
+              <a:xfrm>
+                <a:off x="1733550" y="2295525"/>
+                <a:ext cx="971550" cy="495300"/>
+              </a:xfrm>
+              <a:prstGeom prst="rect">
+                <a:avLst/>
+              </a:prstGeom>
+              <a:noFill/>
+              <a:ln w="19050">
+                <a:solidFill>
+                  <a:schemeClr val="accent1">
+                    <a:lumMod val="75000"/>
+                  </a:schemeClr>
+                </a:solidFill>
+              </a:ln>
+            </p:spPr>
+            <p:style>
+              <a:lnRef idx="2">
+                <a:schemeClr val="accent1">
+                  <a:shade val="50000"/>
+                </a:schemeClr>
+              </a:lnRef>
+              <a:fillRef idx="1">
+                <a:schemeClr val="accent1"/>
+              </a:fillRef>
+              <a:effectRef idx="0">
+                <a:schemeClr val="accent1"/>
+              </a:effectRef>
+              <a:fontRef idx="minor">
+                <a:schemeClr val="lt1"/>
+              </a:fontRef>
+            </p:style>
+            <p:txBody>
+              <a:bodyPr rtlCol="0" anchor="ctr"/>
+              <a:lstStyle/>
+              <a:p>
+                <a:pPr algn="ctr"/>
+                <a:endParaRPr lang="en-GB" sz="1200" dirty="0">
+                  <a:solidFill>
+                    <a:schemeClr val="tx1"/>
+                  </a:solidFill>
+                </a:endParaRPr>
+              </a:p>
+            </p:txBody>
+          </p:sp>
+          <p:grpSp>
+            <p:nvGrpSpPr>
+              <p:cNvPr id="147" name="Group 146">
+                <a:extLst>
+                  <a:ext uri="{FF2B5EF4-FFF2-40B4-BE49-F238E27FC236}">
+                    <a16:creationId xmlns:a16="http://schemas.microsoft.com/office/drawing/2014/main" id="{2159B5F4-E208-4E99-9926-617FD1AC3E84}"/>
+                  </a:ext>
+                </a:extLst>
+              </p:cNvPr>
+              <p:cNvGrpSpPr/>
+              <p:nvPr/>
+            </p:nvGrpSpPr>
+            <p:grpSpPr>
+              <a:xfrm>
+                <a:off x="2705100" y="2333625"/>
+                <a:ext cx="161925" cy="419100"/>
+                <a:chOff x="2714625" y="2371725"/>
+                <a:chExt cx="161925" cy="419100"/>
+              </a:xfrm>
+            </p:grpSpPr>
+            <p:sp>
+              <p:nvSpPr>
+                <p:cNvPr id="153" name="Oval 152">
+                  <a:extLst>
+                    <a:ext uri="{FF2B5EF4-FFF2-40B4-BE49-F238E27FC236}">
+                      <a16:creationId xmlns:a16="http://schemas.microsoft.com/office/drawing/2014/main" id="{6D157318-A3A5-42CA-BE17-3F8CC9379AC4}"/>
+                    </a:ext>
+                  </a:extLst>
+                </p:cNvPr>
+                <p:cNvSpPr/>
+                <p:nvPr/>
+              </p:nvSpPr>
+              <p:spPr>
+                <a:xfrm>
+                  <a:off x="2714625" y="2371725"/>
+                  <a:ext cx="161925" cy="171450"/>
+                </a:xfrm>
+                <a:prstGeom prst="ellipse">
+                  <a:avLst/>
+                </a:prstGeom>
+                <a:noFill/>
+                <a:ln w="19050">
+                  <a:solidFill>
+                    <a:schemeClr val="accent1">
+                      <a:lumMod val="75000"/>
+                    </a:schemeClr>
+                  </a:solidFill>
+                </a:ln>
+              </p:spPr>
+              <p:style>
+                <a:lnRef idx="2">
+                  <a:schemeClr val="accent1">
+                    <a:shade val="50000"/>
+                  </a:schemeClr>
+                </a:lnRef>
+                <a:fillRef idx="1">
+                  <a:schemeClr val="accent1"/>
+                </a:fillRef>
+                <a:effectRef idx="0">
+                  <a:schemeClr val="accent1"/>
+                </a:effectRef>
+                <a:fontRef idx="minor">
+                  <a:schemeClr val="lt1"/>
+                </a:fontRef>
+              </p:style>
+              <p:txBody>
+                <a:bodyPr rtlCol="0" anchor="ctr"/>
+                <a:lstStyle/>
+                <a:p>
+                  <a:pPr algn="ctr"/>
+                  <a:endParaRPr lang="en-GB" sz="1200" dirty="0">
+                    <a:solidFill>
+                      <a:schemeClr val="tx1"/>
+                    </a:solidFill>
+                  </a:endParaRPr>
+                </a:p>
+              </p:txBody>
+            </p:sp>
+            <p:grpSp>
+              <p:nvGrpSpPr>
+                <p:cNvPr id="154" name="Group 153">
+                  <a:extLst>
+                    <a:ext uri="{FF2B5EF4-FFF2-40B4-BE49-F238E27FC236}">
+                      <a16:creationId xmlns:a16="http://schemas.microsoft.com/office/drawing/2014/main" id="{93E55E2F-134E-439F-A2B0-5FB4A00E9B82}"/>
+                    </a:ext>
+                  </a:extLst>
+                </p:cNvPr>
+                <p:cNvGrpSpPr/>
+                <p:nvPr/>
+              </p:nvGrpSpPr>
+              <p:grpSpPr>
+                <a:xfrm>
+                  <a:off x="2714625" y="2619375"/>
+                  <a:ext cx="161925" cy="171450"/>
+                  <a:chOff x="3724275" y="2705100"/>
+                  <a:chExt cx="161925" cy="171450"/>
+                </a:xfrm>
+              </p:grpSpPr>
+              <p:sp>
+                <p:nvSpPr>
+                  <p:cNvPr id="155" name="Oval 154">
+                    <a:extLst>
+                      <a:ext uri="{FF2B5EF4-FFF2-40B4-BE49-F238E27FC236}">
+                        <a16:creationId xmlns:a16="http://schemas.microsoft.com/office/drawing/2014/main" id="{A09E299B-1E9A-4F9A-8EC7-8A5BDC170D4D}"/>
+                      </a:ext>
+                    </a:extLst>
+                  </p:cNvPr>
+                  <p:cNvSpPr/>
+                  <p:nvPr/>
+                </p:nvSpPr>
+                <p:spPr>
+                  <a:xfrm>
+                    <a:off x="3724275" y="2705100"/>
+                    <a:ext cx="161925" cy="171450"/>
+                  </a:xfrm>
+                  <a:prstGeom prst="ellipse">
+                    <a:avLst/>
+                  </a:prstGeom>
+                  <a:noFill/>
+                  <a:ln w="19050">
+                    <a:solidFill>
+                      <a:schemeClr val="accent1">
+                        <a:lumMod val="75000"/>
+                      </a:schemeClr>
+                    </a:solidFill>
+                  </a:ln>
+                </p:spPr>
+                <p:style>
+                  <a:lnRef idx="2">
+                    <a:schemeClr val="accent1">
+                      <a:shade val="50000"/>
+                    </a:schemeClr>
+                  </a:lnRef>
+                  <a:fillRef idx="1">
+                    <a:schemeClr val="accent1"/>
+                  </a:fillRef>
+                  <a:effectRef idx="0">
+                    <a:schemeClr val="accent1"/>
+                  </a:effectRef>
+                  <a:fontRef idx="minor">
+                    <a:schemeClr val="lt1"/>
+                  </a:fontRef>
+                </p:style>
+                <p:txBody>
+                  <a:bodyPr rtlCol="0" anchor="ctr"/>
+                  <a:lstStyle/>
+                  <a:p>
+                    <a:pPr algn="ctr"/>
+                    <a:endParaRPr lang="en-GB" sz="1200" dirty="0">
+                      <a:solidFill>
+                        <a:schemeClr val="tx1"/>
+                      </a:solidFill>
+                    </a:endParaRPr>
+                  </a:p>
+                </p:txBody>
+              </p:sp>
+              <p:sp>
+                <p:nvSpPr>
+                  <p:cNvPr id="156" name="Rectangle 155">
+                    <a:extLst>
+                      <a:ext uri="{FF2B5EF4-FFF2-40B4-BE49-F238E27FC236}">
+                        <a16:creationId xmlns:a16="http://schemas.microsoft.com/office/drawing/2014/main" id="{B12B34D8-879F-43EA-9564-0FF4BFAFF603}"/>
+                      </a:ext>
+                    </a:extLst>
+                  </p:cNvPr>
+                  <p:cNvSpPr/>
+                  <p:nvPr/>
+                </p:nvSpPr>
+                <p:spPr>
+                  <a:xfrm>
+                    <a:off x="3800475" y="2705100"/>
+                    <a:ext cx="85725" cy="171450"/>
+                  </a:xfrm>
+                  <a:prstGeom prst="rect">
+                    <a:avLst/>
+                  </a:prstGeom>
+                  <a:solidFill>
+                    <a:schemeClr val="bg1"/>
+                  </a:solidFill>
+                  <a:ln w="19050">
+                    <a:solidFill>
+                      <a:schemeClr val="accent1">
+                        <a:lumMod val="75000"/>
+                      </a:schemeClr>
+                    </a:solidFill>
+                  </a:ln>
+                </p:spPr>
+                <p:style>
+                  <a:lnRef idx="2">
+                    <a:schemeClr val="accent1">
+                      <a:shade val="50000"/>
+                    </a:schemeClr>
+                  </a:lnRef>
+                  <a:fillRef idx="1">
+                    <a:schemeClr val="accent1"/>
+                  </a:fillRef>
+                  <a:effectRef idx="0">
+                    <a:schemeClr val="accent1"/>
+                  </a:effectRef>
+                  <a:fontRef idx="minor">
+                    <a:schemeClr val="lt1"/>
+                  </a:fontRef>
+                </p:style>
+                <p:txBody>
+                  <a:bodyPr rtlCol="0" anchor="ctr"/>
+                  <a:lstStyle/>
+                  <a:p>
+                    <a:pPr algn="ctr"/>
+                    <a:endParaRPr lang="en-GB" sz="1200" dirty="0">
+                      <a:solidFill>
+                        <a:schemeClr val="tx1"/>
+                      </a:solidFill>
+                    </a:endParaRPr>
+                  </a:p>
+                </p:txBody>
+              </p:sp>
+            </p:grpSp>
+          </p:grpSp>
+          <p:grpSp>
+            <p:nvGrpSpPr>
+              <p:cNvPr id="148" name="Group 147">
+                <a:extLst>
+                  <a:ext uri="{FF2B5EF4-FFF2-40B4-BE49-F238E27FC236}">
+                    <a16:creationId xmlns:a16="http://schemas.microsoft.com/office/drawing/2014/main" id="{BC34113B-D05F-4E68-8807-951566C2DBCC}"/>
+                  </a:ext>
+                </a:extLst>
+              </p:cNvPr>
+              <p:cNvGrpSpPr/>
+              <p:nvPr/>
+            </p:nvGrpSpPr>
+            <p:grpSpPr>
+              <a:xfrm rot="10800000">
+                <a:off x="1561764" y="2333624"/>
+                <a:ext cx="161926" cy="419100"/>
+                <a:chOff x="2714625" y="2371725"/>
+                <a:chExt cx="161926" cy="419100"/>
+              </a:xfrm>
+            </p:grpSpPr>
+            <p:sp>
+              <p:nvSpPr>
+                <p:cNvPr id="149" name="Oval 148">
+                  <a:extLst>
+                    <a:ext uri="{FF2B5EF4-FFF2-40B4-BE49-F238E27FC236}">
+                      <a16:creationId xmlns:a16="http://schemas.microsoft.com/office/drawing/2014/main" id="{74DE47C0-56D8-449F-B8C4-9B55F0765631}"/>
+                    </a:ext>
+                  </a:extLst>
+                </p:cNvPr>
+                <p:cNvSpPr/>
+                <p:nvPr/>
+              </p:nvSpPr>
+              <p:spPr>
+                <a:xfrm>
+                  <a:off x="2714625" y="2371725"/>
+                  <a:ext cx="161925" cy="171450"/>
+                </a:xfrm>
+                <a:prstGeom prst="ellipse">
+                  <a:avLst/>
+                </a:prstGeom>
+                <a:noFill/>
+                <a:ln w="19050">
+                  <a:solidFill>
+                    <a:schemeClr val="accent1">
+                      <a:lumMod val="75000"/>
+                    </a:schemeClr>
+                  </a:solidFill>
+                </a:ln>
+              </p:spPr>
+              <p:style>
+                <a:lnRef idx="2">
+                  <a:schemeClr val="accent1">
+                    <a:shade val="50000"/>
+                  </a:schemeClr>
+                </a:lnRef>
+                <a:fillRef idx="1">
+                  <a:schemeClr val="accent1"/>
+                </a:fillRef>
+                <a:effectRef idx="0">
+                  <a:schemeClr val="accent1"/>
+                </a:effectRef>
+                <a:fontRef idx="minor">
+                  <a:schemeClr val="lt1"/>
+                </a:fontRef>
+              </p:style>
+              <p:txBody>
+                <a:bodyPr rtlCol="0" anchor="ctr"/>
+                <a:lstStyle/>
+                <a:p>
+                  <a:pPr algn="ctr"/>
+                  <a:endParaRPr lang="en-GB" sz="1200" dirty="0">
+                    <a:solidFill>
+                      <a:schemeClr val="tx1"/>
+                    </a:solidFill>
+                  </a:endParaRPr>
+                </a:p>
+              </p:txBody>
+            </p:sp>
+            <p:grpSp>
+              <p:nvGrpSpPr>
+                <p:cNvPr id="150" name="Group 149">
+                  <a:extLst>
+                    <a:ext uri="{FF2B5EF4-FFF2-40B4-BE49-F238E27FC236}">
+                      <a16:creationId xmlns:a16="http://schemas.microsoft.com/office/drawing/2014/main" id="{D07E01DB-ECE3-4532-951E-C9EB689FEF41}"/>
+                    </a:ext>
+                  </a:extLst>
+                </p:cNvPr>
+                <p:cNvGrpSpPr/>
+                <p:nvPr/>
+              </p:nvGrpSpPr>
+              <p:grpSpPr>
+                <a:xfrm>
+                  <a:off x="2714625" y="2619375"/>
+                  <a:ext cx="161926" cy="171450"/>
+                  <a:chOff x="3724275" y="2705100"/>
+                  <a:chExt cx="161926" cy="171450"/>
+                </a:xfrm>
+              </p:grpSpPr>
+              <p:sp>
+                <p:nvSpPr>
+                  <p:cNvPr id="151" name="Oval 150">
+                    <a:extLst>
+                      <a:ext uri="{FF2B5EF4-FFF2-40B4-BE49-F238E27FC236}">
+                        <a16:creationId xmlns:a16="http://schemas.microsoft.com/office/drawing/2014/main" id="{FDAC636A-C34E-477F-A5D0-51C6AF0A53A5}"/>
+                      </a:ext>
+                    </a:extLst>
+                  </p:cNvPr>
+                  <p:cNvSpPr/>
+                  <p:nvPr/>
+                </p:nvSpPr>
+                <p:spPr>
+                  <a:xfrm>
+                    <a:off x="3724275" y="2705100"/>
+                    <a:ext cx="161925" cy="171450"/>
+                  </a:xfrm>
+                  <a:prstGeom prst="ellipse">
+                    <a:avLst/>
+                  </a:prstGeom>
+                  <a:noFill/>
+                  <a:ln w="19050">
+                    <a:solidFill>
+                      <a:schemeClr val="accent1">
+                        <a:lumMod val="75000"/>
+                      </a:schemeClr>
+                    </a:solidFill>
+                  </a:ln>
+                </p:spPr>
+                <p:style>
+                  <a:lnRef idx="2">
+                    <a:schemeClr val="accent1">
+                      <a:shade val="50000"/>
+                    </a:schemeClr>
+                  </a:lnRef>
+                  <a:fillRef idx="1">
+                    <a:schemeClr val="accent1"/>
+                  </a:fillRef>
+                  <a:effectRef idx="0">
+                    <a:schemeClr val="accent1"/>
+                  </a:effectRef>
+                  <a:fontRef idx="minor">
+                    <a:schemeClr val="lt1"/>
+                  </a:fontRef>
+                </p:style>
+                <p:txBody>
+                  <a:bodyPr rtlCol="0" anchor="ctr"/>
+                  <a:lstStyle/>
+                  <a:p>
+                    <a:pPr algn="ctr"/>
+                    <a:endParaRPr lang="en-GB" sz="1200" dirty="0">
+                      <a:solidFill>
+                        <a:schemeClr val="tx1"/>
+                      </a:solidFill>
+                    </a:endParaRPr>
+                  </a:p>
+                </p:txBody>
+              </p:sp>
+              <p:sp>
+                <p:nvSpPr>
+                  <p:cNvPr id="152" name="Rectangle 151">
+                    <a:extLst>
+                      <a:ext uri="{FF2B5EF4-FFF2-40B4-BE49-F238E27FC236}">
+                        <a16:creationId xmlns:a16="http://schemas.microsoft.com/office/drawing/2014/main" id="{F502DA0C-DBF2-410E-8A6F-076FA4CB490A}"/>
+                      </a:ext>
+                    </a:extLst>
+                  </p:cNvPr>
+                  <p:cNvSpPr/>
+                  <p:nvPr/>
+                </p:nvSpPr>
+                <p:spPr>
+                  <a:xfrm>
+                    <a:off x="3800476" y="2705100"/>
+                    <a:ext cx="85725" cy="171450"/>
+                  </a:xfrm>
+                  <a:prstGeom prst="rect">
+                    <a:avLst/>
+                  </a:prstGeom>
+                  <a:solidFill>
+                    <a:schemeClr val="bg1"/>
+                  </a:solidFill>
+                  <a:ln w="19050">
+                    <a:solidFill>
+                      <a:schemeClr val="accent1">
+                        <a:lumMod val="75000"/>
+                      </a:schemeClr>
+                    </a:solidFill>
+                  </a:ln>
+                </p:spPr>
+                <p:style>
+                  <a:lnRef idx="2">
+                    <a:schemeClr val="accent1">
+                      <a:shade val="50000"/>
+                    </a:schemeClr>
+                  </a:lnRef>
+                  <a:fillRef idx="1">
+                    <a:schemeClr val="accent1"/>
+                  </a:fillRef>
+                  <a:effectRef idx="0">
+                    <a:schemeClr val="accent1"/>
+                  </a:effectRef>
+                  <a:fontRef idx="minor">
+                    <a:schemeClr val="lt1"/>
+                  </a:fontRef>
+                </p:style>
+                <p:txBody>
+                  <a:bodyPr rtlCol="0" anchor="ctr"/>
+                  <a:lstStyle/>
+                  <a:p>
+                    <a:pPr algn="ctr"/>
+                    <a:endParaRPr lang="en-GB" sz="1200" dirty="0">
+                      <a:solidFill>
+                        <a:schemeClr val="tx1"/>
+                      </a:solidFill>
+                    </a:endParaRPr>
+                  </a:p>
+                </p:txBody>
+              </p:sp>
+            </p:grpSp>
+          </p:grpSp>
+        </p:grpSp>
+        <p:sp>
+          <p:nvSpPr>
+            <p:cNvPr id="157" name="TextBox 156">
+              <a:extLst>
+                <a:ext uri="{FF2B5EF4-FFF2-40B4-BE49-F238E27FC236}">
+                  <a16:creationId xmlns:a16="http://schemas.microsoft.com/office/drawing/2014/main" id="{CE48F5B1-AB28-4440-8D3E-D140BD8D170E}"/>
+                </a:ext>
+              </a:extLst>
+            </p:cNvPr>
+            <p:cNvSpPr txBox="1"/>
+            <p:nvPr/>
+          </p:nvSpPr>
+          <p:spPr>
+            <a:xfrm>
+              <a:off x="1019073" y="4395152"/>
+              <a:ext cx="1711988" cy="738664"/>
+            </a:xfrm>
+            <a:prstGeom prst="rect">
+              <a:avLst/>
+            </a:prstGeom>
+            <a:noFill/>
+            <a:ln>
+              <a:noFill/>
+            </a:ln>
+          </p:spPr>
+          <p:txBody>
+            <a:bodyPr wrap="square" rtlCol="0">
+              <a:spAutoFit/>
+            </a:bodyPr>
+            <a:lstStyle>
+              <a:defPPr>
+                <a:defRPr lang="en-US"/>
+              </a:defPPr>
+              <a:lvl1pPr algn="ctr">
+                <a:defRPr sz="1400" b="1"/>
+              </a:lvl1pPr>
+            </a:lstStyle>
+            <a:p>
+              <a:r>
+                <a:rPr lang="en-GB" dirty="0"/>
+                <a:t>&lt;Controller&gt;</a:t>
+              </a:r>
+            </a:p>
+            <a:p>
+              <a:r>
+                <a:rPr lang="en-GB" dirty="0"/>
+                <a:t>FactorySetting</a:t>
+              </a:r>
+              <a:br>
+                <a:rPr lang="en-GB" dirty="0"/>
+              </a:br>
+              <a:r>
+                <a:rPr lang="en-GB" dirty="0"/>
+                <a:t>Controller</a:t>
+              </a:r>
+            </a:p>
+          </p:txBody>
+        </p:sp>
+      </p:grpSp>
+      <p:cxnSp>
+        <p:nvCxnSpPr>
+          <p:cNvPr id="159" name="Connector: Elbow 158">
+            <a:extLst>
+              <a:ext uri="{FF2B5EF4-FFF2-40B4-BE49-F238E27FC236}">
+                <a16:creationId xmlns:a16="http://schemas.microsoft.com/office/drawing/2014/main" id="{34443232-D1C7-49D6-8837-2514F213D726}"/>
+              </a:ext>
+            </a:extLst>
+          </p:cNvPr>
+          <p:cNvCxnSpPr>
+            <a:cxnSpLocks/>
+            <a:stCxn id="153" idx="6"/>
+            <a:endCxn id="160" idx="1"/>
+          </p:cNvCxnSpPr>
+          <p:nvPr/>
+        </p:nvCxnSpPr>
+        <p:spPr>
+          <a:xfrm flipV="1">
+            <a:off x="4286991" y="4693644"/>
+            <a:ext cx="2245759" cy="7948"/>
+          </a:xfrm>
+          <a:prstGeom prst="bentConnector3">
+            <a:avLst/>
+          </a:prstGeom>
+          <a:ln w="28575">
+            <a:headEnd type="triangle" w="med" len="med"/>
+            <a:tailEnd type="none" w="med" len="med"/>
+          </a:ln>
+        </p:spPr>
+        <p:style>
+          <a:lnRef idx="1">
+            <a:schemeClr val="accent1"/>
+          </a:lnRef>
+          <a:fillRef idx="0">
+            <a:schemeClr val="accent1"/>
+          </a:fillRef>
+          <a:effectRef idx="0">
+            <a:schemeClr val="accent1"/>
+          </a:effectRef>
+          <a:fontRef idx="minor">
+            <a:schemeClr val="tx1"/>
+          </a:fontRef>
+        </p:style>
+      </p:cxnSp>
+      <p:sp>
+        <p:nvSpPr>
+          <p:cNvPr id="160" name="Rectangle 159">
+            <a:extLst>
+              <a:ext uri="{FF2B5EF4-FFF2-40B4-BE49-F238E27FC236}">
+                <a16:creationId xmlns:a16="http://schemas.microsoft.com/office/drawing/2014/main" id="{A845C3DB-789E-4464-A3B6-FE268D485618}"/>
+              </a:ext>
+            </a:extLst>
+          </p:cNvPr>
+          <p:cNvSpPr/>
+          <p:nvPr/>
+        </p:nvSpPr>
+        <p:spPr>
+          <a:xfrm>
+            <a:off x="6532750" y="4523417"/>
+            <a:ext cx="168339" cy="340453"/>
+          </a:xfrm>
+          <a:prstGeom prst="rect">
+            <a:avLst/>
+          </a:prstGeom>
+          <a:solidFill>
+            <a:schemeClr val="bg1"/>
+          </a:solidFill>
+          <a:ln w="19050">
+            <a:solidFill>
+              <a:schemeClr val="accent1">
+                <a:lumMod val="75000"/>
+              </a:schemeClr>
+            </a:solidFill>
+          </a:ln>
+        </p:spPr>
+        <p:style>
+          <a:lnRef idx="2">
+            <a:schemeClr val="accent1">
+              <a:shade val="50000"/>
+            </a:schemeClr>
+          </a:lnRef>
+          <a:fillRef idx="1">
+            <a:schemeClr val="accent1"/>
+          </a:fillRef>
+          <a:effectRef idx="0">
+            <a:schemeClr val="accent1"/>
+          </a:effectRef>
+          <a:fontRef idx="minor">
+            <a:schemeClr val="lt1"/>
+          </a:fontRef>
+        </p:style>
+        <p:txBody>
+          <a:bodyPr rtlCol="0" anchor="ctr"/>
+          <a:lstStyle/>
+          <a:p>
+            <a:pPr algn="ctr"/>
+            <a:endParaRPr lang="en-GB" sz="1200" dirty="0">
+              <a:solidFill>
+                <a:schemeClr val="tx1"/>
+              </a:solidFill>
+            </a:endParaRPr>
+          </a:p>
+        </p:txBody>
+      </p:sp>
+      <p:sp>
+        <p:nvSpPr>
+          <p:cNvPr id="162" name="Rectangle: Rounded Corners 161">
+            <a:extLst>
+              <a:ext uri="{FF2B5EF4-FFF2-40B4-BE49-F238E27FC236}">
+                <a16:creationId xmlns:a16="http://schemas.microsoft.com/office/drawing/2014/main" id="{179E15E1-C091-4C54-81A7-D0C3BA8FE2BB}"/>
+              </a:ext>
+            </a:extLst>
+          </p:cNvPr>
+          <p:cNvSpPr/>
+          <p:nvPr/>
+        </p:nvSpPr>
+        <p:spPr>
+          <a:xfrm>
+            <a:off x="240493" y="153532"/>
+            <a:ext cx="3687288" cy="5561468"/>
+          </a:xfrm>
+          <a:prstGeom prst="roundRect">
+            <a:avLst/>
+          </a:prstGeom>
+          <a:noFill/>
+          <a:ln w="38100"/>
+        </p:spPr>
+        <p:style>
+          <a:lnRef idx="2">
+            <a:schemeClr val="accent1">
+              <a:shade val="50000"/>
+            </a:schemeClr>
+          </a:lnRef>
+          <a:fillRef idx="1">
+            <a:schemeClr val="accent1"/>
+          </a:fillRef>
+          <a:effectRef idx="0">
+            <a:schemeClr val="accent1"/>
+          </a:effectRef>
+          <a:fontRef idx="minor">
+            <a:schemeClr val="lt1"/>
+          </a:fontRef>
+        </p:style>
+        <p:txBody>
+          <a:bodyPr rtlCol="0" anchor="ctr"/>
+          <a:lstStyle/>
+          <a:p>
+            <a:pPr algn="ctr"/>
+            <a:endParaRPr lang="en-US"/>
+          </a:p>
+        </p:txBody>
+      </p:sp>
+      <p:cxnSp>
+        <p:nvCxnSpPr>
+          <p:cNvPr id="166" name="Connector: Elbow 165">
+            <a:extLst>
+              <a:ext uri="{FF2B5EF4-FFF2-40B4-BE49-F238E27FC236}">
+                <a16:creationId xmlns:a16="http://schemas.microsoft.com/office/drawing/2014/main" id="{B19DE4EB-E4AC-434A-AF17-3E4B32CC073C}"/>
+              </a:ext>
+            </a:extLst>
+          </p:cNvPr>
+          <p:cNvCxnSpPr>
+            <a:cxnSpLocks/>
+            <a:stCxn id="136" idx="6"/>
+            <a:endCxn id="152" idx="3"/>
+          </p:cNvCxnSpPr>
+          <p:nvPr/>
+        </p:nvCxnSpPr>
+        <p:spPr>
+          <a:xfrm rot="10800000" flipH="1" flipV="1">
+            <a:off x="1153828" y="3572067"/>
+            <a:ext cx="570013" cy="1129521"/>
+          </a:xfrm>
+          <a:prstGeom prst="bentConnector3">
+            <a:avLst>
+              <a:gd name="adj1" fmla="val -40104"/>
+            </a:avLst>
+          </a:prstGeom>
+          <a:ln w="28575">
+            <a:headEnd type="triangle" w="med" len="med"/>
+            <a:tailEnd type="none" w="med" len="med"/>
+          </a:ln>
+        </p:spPr>
+        <p:style>
+          <a:lnRef idx="1">
+            <a:schemeClr val="accent1"/>
+          </a:lnRef>
+          <a:fillRef idx="0">
+            <a:schemeClr val="accent1"/>
+          </a:fillRef>
+          <a:effectRef idx="0">
+            <a:schemeClr val="accent1"/>
+          </a:effectRef>
+          <a:fontRef idx="minor">
+            <a:schemeClr val="tx1"/>
+          </a:fontRef>
+        </p:style>
+      </p:cxnSp>
+      <p:cxnSp>
+        <p:nvCxnSpPr>
+          <p:cNvPr id="169" name="Connector: Elbow 168">
+            <a:extLst>
+              <a:ext uri="{FF2B5EF4-FFF2-40B4-BE49-F238E27FC236}">
+                <a16:creationId xmlns:a16="http://schemas.microsoft.com/office/drawing/2014/main" id="{DCBA8D3D-3BC9-44F8-955B-1A15F6A10CDA}"/>
+              </a:ext>
+            </a:extLst>
+          </p:cNvPr>
+          <p:cNvCxnSpPr>
+            <a:cxnSpLocks/>
+            <a:stCxn id="123" idx="6"/>
+            <a:endCxn id="139" idx="3"/>
+          </p:cNvCxnSpPr>
+          <p:nvPr/>
+        </p:nvCxnSpPr>
+        <p:spPr>
+          <a:xfrm rot="10800000" flipV="1">
+            <a:off x="1153827" y="1891673"/>
+            <a:ext cx="2" cy="1188630"/>
+          </a:xfrm>
+          <a:prstGeom prst="bentConnector3">
+            <a:avLst>
+              <a:gd name="adj1" fmla="val 11430100000"/>
+            </a:avLst>
+          </a:prstGeom>
+          <a:ln w="28575">
+            <a:headEnd type="triangle" w="med" len="med"/>
+            <a:tailEnd type="none" w="med" len="med"/>
+          </a:ln>
+        </p:spPr>
+        <p:style>
+          <a:lnRef idx="1">
+            <a:schemeClr val="accent1"/>
+          </a:lnRef>
+          <a:fillRef idx="0">
+            <a:schemeClr val="accent1"/>
+          </a:fillRef>
+          <a:effectRef idx="0">
+            <a:schemeClr val="accent1"/>
+          </a:effectRef>
+          <a:fontRef idx="minor">
+            <a:schemeClr val="tx1"/>
+          </a:fontRef>
+        </p:style>
+      </p:cxnSp>
+      <p:cxnSp>
+        <p:nvCxnSpPr>
+          <p:cNvPr id="172" name="Connector: Elbow 171">
+            <a:extLst>
+              <a:ext uri="{FF2B5EF4-FFF2-40B4-BE49-F238E27FC236}">
+                <a16:creationId xmlns:a16="http://schemas.microsoft.com/office/drawing/2014/main" id="{E76539EB-7183-4D79-9683-B8F4B91DF7EF}"/>
+              </a:ext>
+            </a:extLst>
+          </p:cNvPr>
+          <p:cNvCxnSpPr>
+            <a:cxnSpLocks/>
+            <a:stCxn id="149" idx="6"/>
+            <a:endCxn id="139" idx="3"/>
+          </p:cNvCxnSpPr>
+          <p:nvPr/>
+        </p:nvCxnSpPr>
+        <p:spPr>
+          <a:xfrm rot="10800000">
+            <a:off x="1153828" y="3080304"/>
+            <a:ext cx="570017" cy="2113051"/>
+          </a:xfrm>
+          <a:prstGeom prst="bentConnector3">
+            <a:avLst>
+              <a:gd name="adj1" fmla="val 196354"/>
+            </a:avLst>
+          </a:prstGeom>
+          <a:ln w="28575">
+            <a:solidFill>
+              <a:srgbClr val="0066FF"/>
+            </a:solidFill>
+            <a:headEnd type="triangle" w="med" len="med"/>
+            <a:tailEnd type="none" w="med" len="med"/>
+          </a:ln>
+        </p:spPr>
+        <p:style>
+          <a:lnRef idx="1">
+            <a:schemeClr val="accent1"/>
+          </a:lnRef>
+          <a:fillRef idx="0">
+            <a:schemeClr val="accent1"/>
+          </a:fillRef>
+          <a:effectRef idx="0">
+            <a:schemeClr val="accent1"/>
+          </a:effectRef>
+          <a:fontRef idx="minor">
+            <a:schemeClr val="tx1"/>
+          </a:fontRef>
+        </p:style>
+      </p:cxnSp>
+      <p:cxnSp>
+        <p:nvCxnSpPr>
+          <p:cNvPr id="176" name="Connector: Elbow 175">
+            <a:extLst>
+              <a:ext uri="{FF2B5EF4-FFF2-40B4-BE49-F238E27FC236}">
+                <a16:creationId xmlns:a16="http://schemas.microsoft.com/office/drawing/2014/main" id="{4F0DB84F-BDC2-4D18-974C-22A24ACF2562}"/>
+              </a:ext>
+            </a:extLst>
+          </p:cNvPr>
+          <p:cNvCxnSpPr>
+            <a:cxnSpLocks/>
+            <a:stCxn id="139" idx="3"/>
+            <a:endCxn id="126" idx="3"/>
+          </p:cNvCxnSpPr>
+          <p:nvPr/>
+        </p:nvCxnSpPr>
+        <p:spPr>
+          <a:xfrm rot="10800000">
+            <a:off x="1153827" y="1399909"/>
+            <a:ext cx="12700" cy="1680395"/>
+          </a:xfrm>
+          <a:prstGeom prst="bentConnector3">
+            <a:avLst>
+              <a:gd name="adj1" fmla="val 4418181"/>
+            </a:avLst>
+          </a:prstGeom>
+          <a:ln w="28575">
+            <a:solidFill>
+              <a:srgbClr val="0066FF"/>
+            </a:solidFill>
+            <a:headEnd type="triangle" w="med" len="med"/>
+            <a:tailEnd type="none" w="med" len="med"/>
+          </a:ln>
+        </p:spPr>
+        <p:style>
+          <a:lnRef idx="1">
+            <a:schemeClr val="accent1"/>
+          </a:lnRef>
+          <a:fillRef idx="0">
+            <a:schemeClr val="accent1"/>
+          </a:fillRef>
+          <a:effectRef idx="0">
+            <a:schemeClr val="accent1"/>
+          </a:effectRef>
+          <a:fontRef idx="minor">
+            <a:schemeClr val="tx1"/>
+          </a:fontRef>
+        </p:style>
+      </p:cxnSp>
+      <p:sp>
+        <p:nvSpPr>
+          <p:cNvPr id="56" name="TextBox 55">
+            <a:extLst>
+              <a:ext uri="{FF2B5EF4-FFF2-40B4-BE49-F238E27FC236}">
+                <a16:creationId xmlns:a16="http://schemas.microsoft.com/office/drawing/2014/main" id="{0AF76CB6-C648-459E-B9BF-EB3FB55B3085}"/>
+              </a:ext>
+            </a:extLst>
+          </p:cNvPr>
+          <p:cNvSpPr txBox="1"/>
+          <p:nvPr/>
+        </p:nvSpPr>
+        <p:spPr>
+          <a:xfrm>
+            <a:off x="461318" y="6258535"/>
+            <a:ext cx="7768282" cy="369332"/>
+          </a:xfrm>
+          <a:prstGeom prst="rect">
+            <a:avLst/>
+          </a:prstGeom>
+          <a:noFill/>
+        </p:spPr>
+        <p:txBody>
+          <a:bodyPr wrap="square">
+            <a:spAutoFit/>
+          </a:bodyPr>
+          <a:lstStyle/>
+          <a:p>
+            <a:r>
+              <a:rPr lang="en-US" dirty="0"/>
+              <a:t>Source: https://app.swaggerhub.com/apis/karacankos/fordcs/1.0-oas3</a:t>
+            </a:r>
+          </a:p>
+        </p:txBody>
+      </p:sp>
+      <p:sp>
+        <p:nvSpPr>
+          <p:cNvPr id="58" name="TextBox 57">
+            <a:extLst>
+              <a:ext uri="{FF2B5EF4-FFF2-40B4-BE49-F238E27FC236}">
+                <a16:creationId xmlns:a16="http://schemas.microsoft.com/office/drawing/2014/main" id="{B8AEB20E-1F1B-4F15-9E77-39DA82033EF0}"/>
+              </a:ext>
+            </a:extLst>
+          </p:cNvPr>
+          <p:cNvSpPr txBox="1"/>
+          <p:nvPr/>
+        </p:nvSpPr>
+        <p:spPr>
+          <a:xfrm>
+            <a:off x="4298090" y="3445757"/>
+            <a:ext cx="3931510" cy="1200329"/>
+          </a:xfrm>
+          <a:prstGeom prst="rect">
+            <a:avLst/>
+          </a:prstGeom>
+          <a:noFill/>
+          <a:ln>
+            <a:solidFill>
+              <a:schemeClr val="accent4">
+                <a:lumMod val="75000"/>
+              </a:schemeClr>
+            </a:solidFill>
+          </a:ln>
+        </p:spPr>
+        <p:txBody>
+          <a:bodyPr wrap="square">
+            <a:spAutoFit/>
+          </a:bodyPr>
+          <a:lstStyle/>
+          <a:p>
+            <a:r>
+              <a:rPr lang="en-US" dirty="0">
+                <a:hlinkClick r:id="rId4"/>
+              </a:rPr>
+              <a:t>https://api.example.com/v1/reportCsFactorySetting</a:t>
+            </a:r>
+            <a:endParaRPr lang="en-US" dirty="0"/>
+          </a:p>
+          <a:p>
+            <a:r>
+              <a:rPr lang="en-US" dirty="0"/>
+              <a:t>GET</a:t>
+            </a:r>
+          </a:p>
+          <a:p>
+            <a:r>
+              <a:rPr lang="en-US" dirty="0"/>
+              <a:t>Returns FordCSSettingDataX</a:t>
+            </a:r>
+          </a:p>
+        </p:txBody>
+      </p:sp>
+      <p:cxnSp>
+        <p:nvCxnSpPr>
+          <p:cNvPr id="60" name="Connector: Elbow 59">
+            <a:extLst>
+              <a:ext uri="{FF2B5EF4-FFF2-40B4-BE49-F238E27FC236}">
+                <a16:creationId xmlns:a16="http://schemas.microsoft.com/office/drawing/2014/main" id="{0221BB81-C6ED-4285-9522-642A7192CFCD}"/>
+              </a:ext>
+            </a:extLst>
+          </p:cNvPr>
+          <p:cNvCxnSpPr>
+            <a:cxnSpLocks/>
+            <a:stCxn id="153" idx="6"/>
+            <a:endCxn id="61" idx="1"/>
+          </p:cNvCxnSpPr>
+          <p:nvPr/>
+        </p:nvCxnSpPr>
+        <p:spPr>
+          <a:xfrm>
+            <a:off x="4286991" y="4701592"/>
+            <a:ext cx="2245759" cy="559472"/>
+          </a:xfrm>
+          <a:prstGeom prst="bentConnector3">
+            <a:avLst/>
+          </a:prstGeom>
+          <a:ln w="28575">
+            <a:headEnd type="triangle" w="med" len="med"/>
+            <a:tailEnd type="none" w="med" len="med"/>
+          </a:ln>
+        </p:spPr>
+        <p:style>
+          <a:lnRef idx="1">
+            <a:schemeClr val="accent1"/>
+          </a:lnRef>
+          <a:fillRef idx="0">
+            <a:schemeClr val="accent1"/>
+          </a:fillRef>
+          <a:effectRef idx="0">
+            <a:schemeClr val="accent1"/>
+          </a:effectRef>
+          <a:fontRef idx="minor">
+            <a:schemeClr val="tx1"/>
+          </a:fontRef>
+        </p:style>
+      </p:cxnSp>
+      <p:sp>
+        <p:nvSpPr>
+          <p:cNvPr id="61" name="Rectangle 60">
+            <a:extLst>
+              <a:ext uri="{FF2B5EF4-FFF2-40B4-BE49-F238E27FC236}">
+                <a16:creationId xmlns:a16="http://schemas.microsoft.com/office/drawing/2014/main" id="{31D24CEB-E48B-4416-83DE-C0402010EE84}"/>
+              </a:ext>
+            </a:extLst>
+          </p:cNvPr>
+          <p:cNvSpPr/>
+          <p:nvPr/>
+        </p:nvSpPr>
+        <p:spPr>
+          <a:xfrm>
+            <a:off x="6532750" y="5090837"/>
+            <a:ext cx="168339" cy="340453"/>
+          </a:xfrm>
+          <a:prstGeom prst="rect">
+            <a:avLst/>
+          </a:prstGeom>
+          <a:solidFill>
+            <a:schemeClr val="bg1"/>
+          </a:solidFill>
+          <a:ln w="19050">
+            <a:solidFill>
+              <a:schemeClr val="accent1">
+                <a:lumMod val="75000"/>
+              </a:schemeClr>
+            </a:solidFill>
+          </a:ln>
+        </p:spPr>
+        <p:style>
+          <a:lnRef idx="2">
+            <a:schemeClr val="accent1">
+              <a:shade val="50000"/>
+            </a:schemeClr>
+          </a:lnRef>
+          <a:fillRef idx="1">
+            <a:schemeClr val="accent1"/>
+          </a:fillRef>
+          <a:effectRef idx="0">
+            <a:schemeClr val="accent1"/>
+          </a:effectRef>
+          <a:fontRef idx="minor">
+            <a:schemeClr val="lt1"/>
+          </a:fontRef>
+        </p:style>
+        <p:txBody>
+          <a:bodyPr rtlCol="0" anchor="ctr"/>
+          <a:lstStyle/>
+          <a:p>
+            <a:pPr algn="ctr"/>
+            <a:endParaRPr lang="en-GB" sz="1200" dirty="0">
+              <a:solidFill>
+                <a:schemeClr val="tx1"/>
+              </a:solidFill>
+            </a:endParaRPr>
+          </a:p>
+        </p:txBody>
+      </p:sp>
+      <p:sp>
+        <p:nvSpPr>
+          <p:cNvPr id="8" name="TextBox 7">
+            <a:extLst>
+              <a:ext uri="{FF2B5EF4-FFF2-40B4-BE49-F238E27FC236}">
+                <a16:creationId xmlns:a16="http://schemas.microsoft.com/office/drawing/2014/main" id="{2B5FEBDA-ECD9-4183-AC88-60D677799170}"/>
+              </a:ext>
+            </a:extLst>
+          </p:cNvPr>
+          <p:cNvSpPr txBox="1"/>
+          <p:nvPr/>
+        </p:nvSpPr>
+        <p:spPr>
+          <a:xfrm>
+            <a:off x="6753455" y="5058281"/>
+            <a:ext cx="593624" cy="369332"/>
+          </a:xfrm>
+          <a:prstGeom prst="rect">
+            <a:avLst/>
+          </a:prstGeom>
+          <a:noFill/>
+        </p:spPr>
+        <p:txBody>
+          <a:bodyPr wrap="none" rtlCol="0">
+            <a:spAutoFit/>
+          </a:bodyPr>
+          <a:lstStyle/>
+          <a:p>
+            <a:r>
+              <a:rPr lang="en-US" dirty="0"/>
+              <a:t>curl</a:t>
+            </a:r>
+          </a:p>
+        </p:txBody>
+      </p:sp>
+    </p:spTree>
+    <p:extLst>
+      <p:ext uri="{BB962C8B-B14F-4D97-AF65-F5344CB8AC3E}">
+        <p14:creationId xmlns:p14="http://schemas.microsoft.com/office/powerpoint/2010/main" val="952830481"/>
+      </p:ext>
+    </p:extLst>
+  </p:cSld>
+  <p:clrMapOvr>
+    <a:masterClrMapping/>
+  </p:clrMapOvr>
+</p:sld>
+</file>
+
+<file path=ppt/slides/slide5.xml><?xml version="1.0" encoding="utf-8"?>
+<p:sld xmlns:a="http://schemas.openxmlformats.org/drawingml/2006/main" xmlns:r="http://schemas.openxmlformats.org/officeDocument/2006/relationships" xmlns:p="http://schemas.openxmlformats.org/presentationml/2006/main">
+  <p:cSld>
+    <p:spTree>
+      <p:nvGrpSpPr>
+        <p:cNvPr id="1" name=""/>
+        <p:cNvGrpSpPr/>
+        <p:nvPr/>
+      </p:nvGrpSpPr>
+      <p:grpSpPr>
+        <a:xfrm>
+          <a:off x="0" y="0"/>
+          <a:ext cx="0" cy="0"/>
+          <a:chOff x="0" y="0"/>
+          <a:chExt cx="0" cy="0"/>
+        </a:xfrm>
+      </p:grpSpPr>
+      <p:sp>
+        <p:nvSpPr>
+          <p:cNvPr id="2" name="Title 1">
+            <a:extLst>
+              <a:ext uri="{FF2B5EF4-FFF2-40B4-BE49-F238E27FC236}">
+                <a16:creationId xmlns:a16="http://schemas.microsoft.com/office/drawing/2014/main" id="{7CF77C57-B604-49C6-93BD-30A2B7DA918F}"/>
+              </a:ext>
+            </a:extLst>
+          </p:cNvPr>
+          <p:cNvSpPr>
+            <a:spLocks noGrp="1"/>
+          </p:cNvSpPr>
+          <p:nvPr>
+            <p:ph type="title"/>
+          </p:nvPr>
+        </p:nvSpPr>
+        <p:spPr/>
+        <p:txBody>
+          <a:bodyPr/>
+          <a:lstStyle/>
+          <a:p>
+            <a:endParaRPr lang="en-US"/>
+          </a:p>
+        </p:txBody>
+      </p:sp>
+      <p:sp>
+        <p:nvSpPr>
+          <p:cNvPr id="3" name="Content Placeholder 2">
+            <a:extLst>
+              <a:ext uri="{FF2B5EF4-FFF2-40B4-BE49-F238E27FC236}">
+                <a16:creationId xmlns:a16="http://schemas.microsoft.com/office/drawing/2014/main" id="{3BEED95D-1CE4-4116-AC9F-FA2E528EBC6E}"/>
+              </a:ext>
+            </a:extLst>
+          </p:cNvPr>
+          <p:cNvSpPr>
+            <a:spLocks noGrp="1"/>
+          </p:cNvSpPr>
+          <p:nvPr>
+            <p:ph idx="1"/>
+          </p:nvPr>
+        </p:nvSpPr>
+        <p:spPr/>
+        <p:txBody>
+          <a:bodyPr/>
+          <a:lstStyle/>
+          <a:p>
+            <a:r>
+              <a:rPr lang="en-US" dirty="0"/>
+              <a:t>Data Structure Design </a:t>
+            </a:r>
+            <a:r>
+              <a:rPr lang="en-US"/>
+              <a:t>: FordCSSettingDataX</a:t>
+            </a:r>
+            <a:endParaRPr lang="en-US" dirty="0"/>
+          </a:p>
+        </p:txBody>
+      </p:sp>
+      <p:sp>
+        <p:nvSpPr>
+          <p:cNvPr id="4" name="Text Placeholder 3">
+            <a:extLst>
+              <a:ext uri="{FF2B5EF4-FFF2-40B4-BE49-F238E27FC236}">
+                <a16:creationId xmlns:a16="http://schemas.microsoft.com/office/drawing/2014/main" id="{55E22A09-B76B-4C46-866A-3CA5E0F29C3A}"/>
+              </a:ext>
+            </a:extLst>
+          </p:cNvPr>
+          <p:cNvSpPr>
+            <a:spLocks noGrp="1"/>
+          </p:cNvSpPr>
+          <p:nvPr>
+            <p:ph type="body" sz="half" idx="2"/>
+          </p:nvPr>
+        </p:nvSpPr>
+        <p:spPr/>
+        <p:txBody>
+          <a:bodyPr/>
+          <a:lstStyle/>
+          <a:p>
+            <a:endParaRPr lang="en-US" dirty="0"/>
+          </a:p>
+        </p:txBody>
+      </p:sp>
+    </p:spTree>
+    <p:extLst>
+      <p:ext uri="{BB962C8B-B14F-4D97-AF65-F5344CB8AC3E}">
+        <p14:creationId xmlns:p14="http://schemas.microsoft.com/office/powerpoint/2010/main" val="3115203156"/>
+      </p:ext>
+    </p:extLst>
+  </p:cSld>
+  <p:clrMapOvr>
+    <a:masterClrMapping/>
+  </p:clrMapOvr>
+</p:sld>
+</file>
+
+<file path=ppt/slides/slide6.xml><?xml version="1.0" encoding="utf-8"?>
+<p:sld xmlns:a="http://schemas.openxmlformats.org/drawingml/2006/main" xmlns:r="http://schemas.openxmlformats.org/officeDocument/2006/relationships" xmlns:p="http://schemas.openxmlformats.org/presentationml/2006/main">
+  <p:cSld>
     <p:bg>
       <p:bgPr>
         <a:solidFill>
@@ -9439,7 +12108,7 @@
 </p:sld>
 </file>
 
-<file path=ppt/slides/slide5.xml><?xml version="1.0" encoding="utf-8"?>
+<file path=ppt/slides/slide7.xml><?xml version="1.0" encoding="utf-8"?>
 <p:sld xmlns:a="http://schemas.openxmlformats.org/drawingml/2006/main" xmlns:r="http://schemas.openxmlformats.org/officeDocument/2006/relationships" xmlns:p="http://schemas.openxmlformats.org/presentationml/2006/main">
   <p:cSld>
     <p:spTree>
@@ -13304,7 +15973,7 @@
 </p:sld>
 </file>
 
-<file path=ppt/slides/slide6.xml><?xml version="1.0" encoding="utf-8"?>
+<file path=ppt/slides/slide8.xml><?xml version="1.0" encoding="utf-8"?>
 <p:sld xmlns:a="http://schemas.openxmlformats.org/drawingml/2006/main" xmlns:r="http://schemas.openxmlformats.org/officeDocument/2006/relationships" xmlns:p="http://schemas.openxmlformats.org/presentationml/2006/main">
   <p:cSld>
     <p:spTree>
